--- a/Slides/13. 개발 프로세스 실습 1.pptx
+++ b/Slides/13. 개발 프로세스 실습 1.pptx
@@ -5,7 +5,7 @@
     <p:sldMasterId id="2147483660" r:id="rId1"/>
   </p:sldMasterIdLst>
   <p:notesMasterIdLst>
-    <p:notesMasterId r:id="rId53"/>
+    <p:notesMasterId r:id="rId54"/>
   </p:notesMasterIdLst>
   <p:sldIdLst>
     <p:sldId id="431" r:id="rId2"/>
@@ -47,18 +47,19 @@
     <p:sldId id="369" r:id="rId38"/>
     <p:sldId id="324" r:id="rId39"/>
     <p:sldId id="301" r:id="rId40"/>
-    <p:sldId id="634" r:id="rId41"/>
-    <p:sldId id="635" r:id="rId42"/>
-    <p:sldId id="636" r:id="rId43"/>
-    <p:sldId id="584" r:id="rId44"/>
-    <p:sldId id="596" r:id="rId45"/>
-    <p:sldId id="598" r:id="rId46"/>
-    <p:sldId id="599" r:id="rId47"/>
-    <p:sldId id="602" r:id="rId48"/>
-    <p:sldId id="601" r:id="rId49"/>
-    <p:sldId id="603" r:id="rId50"/>
-    <p:sldId id="604" r:id="rId51"/>
-    <p:sldId id="637" r:id="rId52"/>
+    <p:sldId id="638" r:id="rId41"/>
+    <p:sldId id="634" r:id="rId42"/>
+    <p:sldId id="635" r:id="rId43"/>
+    <p:sldId id="636" r:id="rId44"/>
+    <p:sldId id="584" r:id="rId45"/>
+    <p:sldId id="596" r:id="rId46"/>
+    <p:sldId id="598" r:id="rId47"/>
+    <p:sldId id="599" r:id="rId48"/>
+    <p:sldId id="602" r:id="rId49"/>
+    <p:sldId id="601" r:id="rId50"/>
+    <p:sldId id="603" r:id="rId51"/>
+    <p:sldId id="604" r:id="rId52"/>
+    <p:sldId id="637" r:id="rId53"/>
   </p:sldIdLst>
   <p:sldSz cx="9144000" cy="6858000" type="screen4x3"/>
   <p:notesSz cx="6858000" cy="9144000"/>
@@ -247,7 +248,7 @@
           <a:p>
             <a:fld id="{3A51E6CB-1B67-49CD-819C-CBD1F8F15839}" type="datetimeFigureOut">
               <a:rPr lang="ko-KR" altLang="en-US" smtClean="0"/>
-              <a:t>2019-11-10</a:t>
+              <a:t>2019-11-30</a:t>
             </a:fld>
             <a:endParaRPr lang="ko-KR" altLang="en-US"/>
           </a:p>
@@ -813,7 +814,7 @@
           <a:p>
             <a:fld id="{1EA80F27-E9B9-4A8E-9A59-01CCB3F43850}" type="datetime1">
               <a:rPr lang="ko-KR" altLang="en-US" smtClean="0"/>
-              <a:t>2019-11-10</a:t>
+              <a:t>2019-11-30</a:t>
             </a:fld>
             <a:endParaRPr lang="ko-KR" altLang="en-US"/>
           </a:p>
@@ -1029,7 +1030,7 @@
           <a:p>
             <a:fld id="{7E5363F8-22A8-407F-82B0-EFC1D1C22895}" type="datetime1">
               <a:rPr lang="ko-KR" altLang="en-US" smtClean="0"/>
-              <a:t>2019-11-10</a:t>
+              <a:t>2019-11-30</a:t>
             </a:fld>
             <a:endParaRPr lang="ko-KR" altLang="en-US"/>
           </a:p>
@@ -1209,7 +1210,7 @@
           <a:p>
             <a:fld id="{8187739B-8E74-4F06-BBD0-F6D670C1F7A1}" type="datetime1">
               <a:rPr lang="ko-KR" altLang="en-US" smtClean="0"/>
-              <a:t>2019-11-10</a:t>
+              <a:t>2019-11-30</a:t>
             </a:fld>
             <a:endParaRPr lang="ko-KR" altLang="en-US"/>
           </a:p>
@@ -1379,7 +1380,7 @@
           <a:p>
             <a:fld id="{947C39E4-F1C0-46F5-93CB-857C8C3AEB8D}" type="datetime1">
               <a:rPr lang="ko-KR" altLang="en-US" smtClean="0"/>
-              <a:t>2019-11-10</a:t>
+              <a:t>2019-11-30</a:t>
             </a:fld>
             <a:endParaRPr lang="ko-KR" altLang="en-US"/>
           </a:p>
@@ -1623,7 +1624,7 @@
           <a:p>
             <a:fld id="{7818271D-E6C7-4286-B2FD-D9AA53F1E428}" type="datetime1">
               <a:rPr lang="ko-KR" altLang="en-US" smtClean="0"/>
-              <a:t>2019-11-10</a:t>
+              <a:t>2019-11-30</a:t>
             </a:fld>
             <a:endParaRPr lang="ko-KR" altLang="en-US"/>
           </a:p>
@@ -1855,7 +1856,7 @@
           <a:p>
             <a:fld id="{8CE3C26B-F624-420D-BF9D-391E2E695B27}" type="datetime1">
               <a:rPr lang="ko-KR" altLang="en-US" smtClean="0"/>
-              <a:t>2019-11-10</a:t>
+              <a:t>2019-11-30</a:t>
             </a:fld>
             <a:endParaRPr lang="ko-KR" altLang="en-US"/>
           </a:p>
@@ -2222,7 +2223,7 @@
           <a:p>
             <a:fld id="{A1FC83CE-7AD5-4A20-9998-54C7F9F05545}" type="datetime1">
               <a:rPr lang="ko-KR" altLang="en-US" smtClean="0"/>
-              <a:t>2019-11-10</a:t>
+              <a:t>2019-11-30</a:t>
             </a:fld>
             <a:endParaRPr lang="ko-KR" altLang="en-US"/>
           </a:p>
@@ -2340,7 +2341,7 @@
           <a:p>
             <a:fld id="{3A3E22EA-EB96-4ADF-ABA9-A693E5F7BB1E}" type="datetime1">
               <a:rPr lang="ko-KR" altLang="en-US" smtClean="0"/>
-              <a:t>2019-11-10</a:t>
+              <a:t>2019-11-30</a:t>
             </a:fld>
             <a:endParaRPr lang="ko-KR" altLang="en-US"/>
           </a:p>
@@ -2435,7 +2436,7 @@
           <a:p>
             <a:fld id="{0D5BD961-86A8-440A-8C4E-52B6CA6FECED}" type="datetime1">
               <a:rPr lang="ko-KR" altLang="en-US" smtClean="0"/>
-              <a:t>2019-11-10</a:t>
+              <a:t>2019-11-30</a:t>
             </a:fld>
             <a:endParaRPr lang="ko-KR" altLang="en-US"/>
           </a:p>
@@ -2712,7 +2713,7 @@
           <a:p>
             <a:fld id="{CD151CC0-1347-483B-8708-01772054FA68}" type="datetime1">
               <a:rPr lang="ko-KR" altLang="en-US" smtClean="0"/>
-              <a:t>2019-11-10</a:t>
+              <a:t>2019-11-30</a:t>
             </a:fld>
             <a:endParaRPr lang="ko-KR" altLang="en-US"/>
           </a:p>
@@ -2969,7 +2970,7 @@
           <a:p>
             <a:fld id="{57185993-49E6-4096-BF26-930E741DA796}" type="datetime1">
               <a:rPr lang="ko-KR" altLang="en-US" smtClean="0"/>
-              <a:t>2019-11-10</a:t>
+              <a:t>2019-11-30</a:t>
             </a:fld>
             <a:endParaRPr lang="ko-KR" altLang="en-US"/>
           </a:p>
@@ -3185,7 +3186,7 @@
           <a:p>
             <a:fld id="{170798F3-F6A9-4876-8D5A-30BE2843F4A2}" type="datetime1">
               <a:rPr lang="ko-KR" altLang="en-US" smtClean="0"/>
-              <a:t>2019-11-10</a:t>
+              <a:t>2019-11-30</a:t>
             </a:fld>
             <a:endParaRPr lang="ko-KR" altLang="en-US"/>
           </a:p>
@@ -7930,6 +7931,142 @@
           </a:p>
         </p:txBody>
       </p:sp>
+      <p:sp>
+        <p:nvSpPr>
+          <p:cNvPr id="3" name="타원 2">
+            <a:extLst>
+              <a:ext uri="{FF2B5EF4-FFF2-40B4-BE49-F238E27FC236}">
+                <a16:creationId xmlns:a16="http://schemas.microsoft.com/office/drawing/2014/main" id="{B89B3FDD-3502-4589-920D-21F9FF44A968}"/>
+              </a:ext>
+            </a:extLst>
+          </p:cNvPr>
+          <p:cNvSpPr/>
+          <p:nvPr/>
+        </p:nvSpPr>
+        <p:spPr>
+          <a:xfrm>
+            <a:off x="5956300" y="1625600"/>
+            <a:ext cx="330200" cy="368300"/>
+          </a:xfrm>
+          <a:prstGeom prst="ellipse">
+            <a:avLst/>
+          </a:prstGeom>
+          <a:noFill/>
+          <a:ln>
+            <a:solidFill>
+              <a:srgbClr val="FF0000"/>
+            </a:solidFill>
+          </a:ln>
+        </p:spPr>
+        <p:style>
+          <a:lnRef idx="2">
+            <a:schemeClr val="accent1">
+              <a:shade val="50000"/>
+            </a:schemeClr>
+          </a:lnRef>
+          <a:fillRef idx="1">
+            <a:schemeClr val="accent1"/>
+          </a:fillRef>
+          <a:effectRef idx="0">
+            <a:schemeClr val="accent1"/>
+          </a:effectRef>
+          <a:fontRef idx="minor">
+            <a:schemeClr val="lt1"/>
+          </a:fontRef>
+        </p:style>
+        <p:txBody>
+          <a:bodyPr rtlCol="0" anchor="ctr"/>
+          <a:lstStyle/>
+          <a:p>
+            <a:pPr algn="ctr"/>
+            <a:endParaRPr lang="ko-KR" altLang="en-US"/>
+          </a:p>
+        </p:txBody>
+      </p:sp>
+      <p:cxnSp>
+        <p:nvCxnSpPr>
+          <p:cNvPr id="7" name="직선 화살표 연결선 6">
+            <a:extLst>
+              <a:ext uri="{FF2B5EF4-FFF2-40B4-BE49-F238E27FC236}">
+                <a16:creationId xmlns:a16="http://schemas.microsoft.com/office/drawing/2014/main" id="{44DF995B-37BC-4DE4-AB53-4ABFBD6D2AF7}"/>
+              </a:ext>
+            </a:extLst>
+          </p:cNvPr>
+          <p:cNvCxnSpPr/>
+          <p:nvPr/>
+        </p:nvCxnSpPr>
+        <p:spPr>
+          <a:xfrm>
+            <a:off x="6311900" y="1828800"/>
+            <a:ext cx="1460500" cy="0"/>
+          </a:xfrm>
+          <a:prstGeom prst="straightConnector1">
+            <a:avLst/>
+          </a:prstGeom>
+          <a:ln>
+            <a:solidFill>
+              <a:srgbClr val="FF0000"/>
+            </a:solidFill>
+            <a:tailEnd type="triangle"/>
+          </a:ln>
+        </p:spPr>
+        <p:style>
+          <a:lnRef idx="1">
+            <a:schemeClr val="accent1"/>
+          </a:lnRef>
+          <a:fillRef idx="0">
+            <a:schemeClr val="accent1"/>
+          </a:fillRef>
+          <a:effectRef idx="0">
+            <a:schemeClr val="accent1"/>
+          </a:effectRef>
+          <a:fontRef idx="minor">
+            <a:schemeClr val="tx1"/>
+          </a:fontRef>
+        </p:style>
+      </p:cxnSp>
+      <p:sp>
+        <p:nvSpPr>
+          <p:cNvPr id="8" name="TextBox 7">
+            <a:extLst>
+              <a:ext uri="{FF2B5EF4-FFF2-40B4-BE49-F238E27FC236}">
+                <a16:creationId xmlns:a16="http://schemas.microsoft.com/office/drawing/2014/main" id="{02E08EF2-53FE-4459-A1F4-CECB387A2F93}"/>
+              </a:ext>
+            </a:extLst>
+          </p:cNvPr>
+          <p:cNvSpPr txBox="1"/>
+          <p:nvPr/>
+        </p:nvSpPr>
+        <p:spPr>
+          <a:xfrm>
+            <a:off x="7772400" y="1638300"/>
+            <a:ext cx="742950" cy="369332"/>
+          </a:xfrm>
+          <a:prstGeom prst="rect">
+            <a:avLst/>
+          </a:prstGeom>
+          <a:noFill/>
+          <a:ln>
+            <a:noFill/>
+          </a:ln>
+        </p:spPr>
+        <p:txBody>
+          <a:bodyPr wrap="square" rtlCol="0">
+            <a:spAutoFit/>
+          </a:bodyPr>
+          <a:lstStyle/>
+          <a:p>
+            <a:r>
+              <a:rPr lang="ko-KR" altLang="en-US" dirty="0">
+                <a:solidFill>
+                  <a:srgbClr val="FF0000"/>
+                </a:solidFill>
+              </a:rPr>
+              <a:t>선택</a:t>
+            </a:r>
+          </a:p>
+        </p:txBody>
+      </p:sp>
     </p:spTree>
     <p:extLst>
       <p:ext uri="{BB962C8B-B14F-4D97-AF65-F5344CB8AC3E}">
@@ -9986,7 +10123,7 @@
             <a:pPr lvl="1"/>
             <a:r>
               <a:rPr lang="en-US" altLang="ko-KR" dirty="0"/>
-              <a:t>Availability Zone: “Any Availability Zone”</a:t>
+              <a:t>Availability Zone: “nova”</a:t>
             </a:r>
           </a:p>
           <a:p>
@@ -10031,17 +10168,37 @@
             </a:r>
             <a:r>
               <a:rPr lang="ko-KR" altLang="en-US" dirty="0"/>
-              <a:t> 미리 생성해서 꼭 다운로드 받고</a:t>
-            </a:r>
-            <a:r>
-              <a:rPr lang="en-US" altLang="ko-KR" dirty="0"/>
+              <a:t> </a:t>
+            </a:r>
+            <a:r>
+              <a:rPr lang="ko-KR" altLang="en-US" dirty="0">
+                <a:solidFill>
+                  <a:srgbClr val="FF0000"/>
+                </a:solidFill>
+              </a:rPr>
+              <a:t>미리 생성해서 꼭 다운로드 받고</a:t>
+            </a:r>
+            <a:r>
+              <a:rPr lang="en-US" altLang="ko-KR" dirty="0">
+                <a:solidFill>
+                  <a:srgbClr val="FF0000"/>
+                </a:solidFill>
+              </a:rPr>
               <a:t>, </a:t>
             </a:r>
             <a:r>
-              <a:rPr lang="ko-KR" altLang="en-US" dirty="0"/>
+              <a:rPr lang="ko-KR" altLang="en-US" dirty="0">
+                <a:solidFill>
+                  <a:srgbClr val="FF0000"/>
+                </a:solidFill>
+              </a:rPr>
               <a:t>파일 잘 관리할 것</a:t>
             </a:r>
-            <a:endParaRPr lang="en-US" altLang="ko-KR" dirty="0"/>
+            <a:endParaRPr lang="en-US" altLang="ko-KR" dirty="0">
+              <a:solidFill>
+                <a:srgbClr val="FF0000"/>
+              </a:solidFill>
+            </a:endParaRPr>
           </a:p>
           <a:p>
             <a:pPr lvl="1"/>
@@ -11191,117 +11348,10 @@
       </p:grpSpPr>
       <p:sp>
         <p:nvSpPr>
-          <p:cNvPr id="2" name="제목 1">
-            <a:extLst>
-              <a:ext uri="{FF2B5EF4-FFF2-40B4-BE49-F238E27FC236}">
-                <a16:creationId xmlns:a16="http://schemas.microsoft.com/office/drawing/2014/main" id="{FB0373DA-A8BE-4146-851C-76F78F995D73}"/>
-              </a:ext>
-            </a:extLst>
-          </p:cNvPr>
-          <p:cNvSpPr>
-            <a:spLocks noGrp="1"/>
-          </p:cNvSpPr>
-          <p:nvPr>
-            <p:ph type="title"/>
-          </p:nvPr>
-        </p:nvSpPr>
-        <p:spPr/>
-        <p:txBody>
-          <a:bodyPr/>
-          <a:lstStyle/>
-          <a:p>
-            <a:r>
-              <a:rPr lang="en-US" altLang="ko-KR" dirty="0"/>
-              <a:t>Node.js and </a:t>
-            </a:r>
-            <a:r>
-              <a:rPr lang="en-US" altLang="ko-KR" dirty="0" err="1"/>
-              <a:t>npm</a:t>
-            </a:r>
-            <a:endParaRPr lang="ko-KR" altLang="en-US" dirty="0"/>
-          </a:p>
-        </p:txBody>
-      </p:sp>
-      <p:sp>
-        <p:nvSpPr>
-          <p:cNvPr id="3" name="텍스트 개체 틀 2">
-            <a:extLst>
-              <a:ext uri="{FF2B5EF4-FFF2-40B4-BE49-F238E27FC236}">
-                <a16:creationId xmlns:a16="http://schemas.microsoft.com/office/drawing/2014/main" id="{70B2E06B-645D-43A9-8402-A40D14584C76}"/>
-              </a:ext>
-            </a:extLst>
-          </p:cNvPr>
-          <p:cNvSpPr>
-            <a:spLocks noGrp="1"/>
-          </p:cNvSpPr>
-          <p:nvPr>
-            <p:ph type="body" idx="1"/>
-          </p:nvPr>
-        </p:nvSpPr>
-        <p:spPr/>
-        <p:txBody>
-          <a:bodyPr/>
-          <a:lstStyle/>
-          <a:p>
-            <a:r>
-              <a:rPr lang="en-US" altLang="ko-KR" dirty="0" err="1"/>
-              <a:t>Todo</a:t>
-            </a:r>
-            <a:r>
-              <a:rPr lang="en-US" altLang="ko-KR" dirty="0"/>
-              <a:t> 1: </a:t>
-            </a:r>
-            <a:r>
-              <a:rPr lang="ko-KR" altLang="en-US" dirty="0"/>
-              <a:t>클라우드 서버 구성</a:t>
-            </a:r>
-            <a:endParaRPr lang="en-US" altLang="ko-KR" dirty="0"/>
-          </a:p>
-          <a:p>
-            <a:r>
-              <a:rPr lang="en-US" altLang="ko-KR" dirty="0" err="1">
-                <a:solidFill>
-                  <a:srgbClr val="FF0000"/>
-                </a:solidFill>
-              </a:rPr>
-              <a:t>Todo</a:t>
-            </a:r>
-            <a:r>
-              <a:rPr lang="en-US" altLang="ko-KR" dirty="0">
-                <a:solidFill>
-                  <a:srgbClr val="FF0000"/>
-                </a:solidFill>
-              </a:rPr>
-              <a:t> 2: </a:t>
-            </a:r>
-            <a:r>
-              <a:rPr lang="ko-KR" altLang="en-US" dirty="0" err="1">
-                <a:solidFill>
-                  <a:srgbClr val="FF0000"/>
-                </a:solidFill>
-              </a:rPr>
-              <a:t>챗봇</a:t>
-            </a:r>
-            <a:r>
-              <a:rPr lang="ko-KR" altLang="en-US" dirty="0">
-                <a:solidFill>
-                  <a:srgbClr val="FF0000"/>
-                </a:solidFill>
-              </a:rPr>
-              <a:t> 서버 구축</a:t>
-            </a:r>
-          </a:p>
-          <a:p>
-            <a:endParaRPr lang="ko-KR" altLang="en-US" dirty="0"/>
-          </a:p>
-        </p:txBody>
-      </p:sp>
-      <p:sp>
-        <p:nvSpPr>
           <p:cNvPr id="4" name="슬라이드 번호 개체 틀 3">
             <a:extLst>
               <a:ext uri="{FF2B5EF4-FFF2-40B4-BE49-F238E27FC236}">
-                <a16:creationId xmlns:a16="http://schemas.microsoft.com/office/drawing/2014/main" id="{3C70A1F4-DAF1-4600-ADF3-7BE17A81844F}"/>
+                <a16:creationId xmlns:a16="http://schemas.microsoft.com/office/drawing/2014/main" id="{9D7EECAF-E6CB-4DD8-B83F-D6B3FECCA43C}"/>
               </a:ext>
             </a:extLst>
           </p:cNvPr>
@@ -11325,10 +11375,320 @@
           </a:p>
         </p:txBody>
       </p:sp>
+      <p:sp>
+        <p:nvSpPr>
+          <p:cNvPr id="6" name="TextBox 5">
+            <a:extLst>
+              <a:ext uri="{FF2B5EF4-FFF2-40B4-BE49-F238E27FC236}">
+                <a16:creationId xmlns:a16="http://schemas.microsoft.com/office/drawing/2014/main" id="{EB864EE5-EF68-4C42-8E56-53CC2B131361}"/>
+              </a:ext>
+            </a:extLst>
+          </p:cNvPr>
+          <p:cNvSpPr txBox="1"/>
+          <p:nvPr/>
+        </p:nvSpPr>
+        <p:spPr>
+          <a:xfrm>
+            <a:off x="478172" y="189973"/>
+            <a:ext cx="7717872" cy="646331"/>
+          </a:xfrm>
+          <a:prstGeom prst="rect">
+            <a:avLst/>
+          </a:prstGeom>
+          <a:noFill/>
+        </p:spPr>
+        <p:txBody>
+          <a:bodyPr wrap="square" rtlCol="0">
+            <a:spAutoFit/>
+          </a:bodyPr>
+          <a:lstStyle/>
+          <a:p>
+            <a:r>
+              <a:rPr lang="en-US" altLang="ko-KR" sz="3600" dirty="0" err="1"/>
+              <a:t>Xshell</a:t>
+            </a:r>
+            <a:r>
+              <a:rPr lang="en-US" altLang="ko-KR" sz="3600" dirty="0"/>
+              <a:t> </a:t>
+            </a:r>
+            <a:r>
+              <a:rPr lang="ko-KR" altLang="en-US" sz="3600" dirty="0"/>
+              <a:t>팁</a:t>
+            </a:r>
+            <a:r>
+              <a:rPr lang="en-US" altLang="ko-KR" sz="3600" dirty="0"/>
+              <a:t>!</a:t>
+            </a:r>
+            <a:endParaRPr lang="ko-KR" altLang="en-US" sz="3600" dirty="0"/>
+          </a:p>
+        </p:txBody>
+      </p:sp>
+      <p:pic>
+        <p:nvPicPr>
+          <p:cNvPr id="8" name="그림 7">
+            <a:extLst>
+              <a:ext uri="{FF2B5EF4-FFF2-40B4-BE49-F238E27FC236}">
+                <a16:creationId xmlns:a16="http://schemas.microsoft.com/office/drawing/2014/main" id="{F3B0540F-C294-4084-BE2B-C2CC140AA8A9}"/>
+              </a:ext>
+            </a:extLst>
+          </p:cNvPr>
+          <p:cNvPicPr>
+            <a:picLocks noChangeAspect="1"/>
+          </p:cNvPicPr>
+          <p:nvPr/>
+        </p:nvPicPr>
+        <p:blipFill>
+          <a:blip r:embed="rId2">
+            <a:extLst>
+              <a:ext uri="{28A0092B-C50C-407E-A947-70E740481C1C}">
+                <a14:useLocalDpi xmlns:a14="http://schemas.microsoft.com/office/drawing/2010/main" val="0"/>
+              </a:ext>
+            </a:extLst>
+          </a:blip>
+          <a:stretch>
+            <a:fillRect/>
+          </a:stretch>
+        </p:blipFill>
+        <p:spPr>
+          <a:xfrm>
+            <a:off x="737707" y="2940669"/>
+            <a:ext cx="3834293" cy="3404192"/>
+          </a:xfrm>
+          <a:prstGeom prst="rect">
+            <a:avLst/>
+          </a:prstGeom>
+        </p:spPr>
+      </p:pic>
+      <p:sp>
+        <p:nvSpPr>
+          <p:cNvPr id="10" name="TextBox 9">
+            <a:extLst>
+              <a:ext uri="{FF2B5EF4-FFF2-40B4-BE49-F238E27FC236}">
+                <a16:creationId xmlns:a16="http://schemas.microsoft.com/office/drawing/2014/main" id="{4BD1B684-9607-41AB-B12A-745D59D7EF32}"/>
+              </a:ext>
+            </a:extLst>
+          </p:cNvPr>
+          <p:cNvSpPr txBox="1"/>
+          <p:nvPr/>
+        </p:nvSpPr>
+        <p:spPr>
+          <a:xfrm>
+            <a:off x="536895" y="1082180"/>
+            <a:ext cx="7978455" cy="1754326"/>
+          </a:xfrm>
+          <a:prstGeom prst="rect">
+            <a:avLst/>
+          </a:prstGeom>
+          <a:noFill/>
+        </p:spPr>
+        <p:txBody>
+          <a:bodyPr wrap="square" rtlCol="0">
+            <a:spAutoFit/>
+          </a:bodyPr>
+          <a:lstStyle/>
+          <a:p>
+            <a:pPr marL="285750" indent="-285750">
+              <a:buFont typeface="Arial" panose="020B0604020202020204" pitchFamily="34" charset="0"/>
+              <a:buChar char="•"/>
+            </a:pPr>
+            <a:r>
+              <a:rPr lang="ko-KR" altLang="en-US" dirty="0"/>
+              <a:t>세션을 오른쪽 마우스로 클릭 후 </a:t>
+            </a:r>
+            <a:r>
+              <a:rPr lang="en-US" altLang="ko-KR" dirty="0"/>
+              <a:t>“</a:t>
+            </a:r>
+            <a:r>
+              <a:rPr lang="ko-KR" altLang="en-US" dirty="0"/>
+              <a:t>등록정보＂ 선택</a:t>
+            </a:r>
+            <a:endParaRPr lang="en-US" altLang="ko-KR" dirty="0"/>
+          </a:p>
+          <a:p>
+            <a:pPr marL="285750" indent="-285750">
+              <a:buFont typeface="Arial" panose="020B0604020202020204" pitchFamily="34" charset="0"/>
+              <a:buChar char="•"/>
+            </a:pPr>
+            <a:r>
+              <a:rPr lang="en-US" altLang="ko-KR" dirty="0"/>
+              <a:t>“</a:t>
+            </a:r>
+            <a:r>
+              <a:rPr lang="ko-KR" altLang="en-US" dirty="0"/>
+              <a:t>사용자 인증＂ 선택</a:t>
+            </a:r>
+            <a:endParaRPr lang="en-US" altLang="ko-KR" dirty="0"/>
+          </a:p>
+          <a:p>
+            <a:pPr marL="285750" indent="-285750">
+              <a:buFont typeface="Arial" panose="020B0604020202020204" pitchFamily="34" charset="0"/>
+              <a:buChar char="•"/>
+            </a:pPr>
+            <a:r>
+              <a:rPr lang="ko-KR" altLang="en-US" dirty="0"/>
+              <a:t>방법 </a:t>
+            </a:r>
+            <a:r>
+              <a:rPr lang="en-US" altLang="ko-KR" dirty="0"/>
+              <a:t>: “Public Key” </a:t>
+            </a:r>
+            <a:r>
+              <a:rPr lang="ko-KR" altLang="en-US" dirty="0"/>
+              <a:t>선택</a:t>
+            </a:r>
+            <a:endParaRPr lang="en-US" altLang="ko-KR" dirty="0"/>
+          </a:p>
+          <a:p>
+            <a:pPr marL="285750" indent="-285750">
+              <a:buFont typeface="Arial" panose="020B0604020202020204" pitchFamily="34" charset="0"/>
+              <a:buChar char="•"/>
+            </a:pPr>
+            <a:r>
+              <a:rPr lang="ko-KR" altLang="en-US" dirty="0"/>
+              <a:t>사용자 키 </a:t>
+            </a:r>
+            <a:r>
+              <a:rPr lang="en-US" altLang="ko-KR" dirty="0"/>
+              <a:t>: “</a:t>
+            </a:r>
+            <a:r>
+              <a:rPr lang="ko-KR" altLang="en-US" dirty="0"/>
+              <a:t>세션에 맞는 </a:t>
+            </a:r>
+            <a:r>
+              <a:rPr lang="en-US" altLang="ko-KR" dirty="0"/>
+              <a:t>key “</a:t>
+            </a:r>
+            <a:r>
+              <a:rPr lang="ko-KR" altLang="en-US" dirty="0"/>
+              <a:t>등록</a:t>
+            </a:r>
+            <a:endParaRPr lang="en-US" altLang="ko-KR" dirty="0"/>
+          </a:p>
+          <a:p>
+            <a:endParaRPr lang="en-US" altLang="ko-KR" dirty="0"/>
+          </a:p>
+          <a:p>
+            <a:r>
+              <a:rPr lang="en-US" altLang="ko-KR" dirty="0"/>
+              <a:t>=&gt;</a:t>
+            </a:r>
+            <a:r>
+              <a:rPr lang="ko-KR" altLang="en-US" dirty="0"/>
+              <a:t>이렇게 하면 매번 세션을 열때마다 정보들을 입력해 줄 필요가 없음</a:t>
+            </a:r>
+          </a:p>
+        </p:txBody>
+      </p:sp>
+      <p:sp>
+        <p:nvSpPr>
+          <p:cNvPr id="11" name="사각형: 둥근 모서리 10">
+            <a:extLst>
+              <a:ext uri="{FF2B5EF4-FFF2-40B4-BE49-F238E27FC236}">
+                <a16:creationId xmlns:a16="http://schemas.microsoft.com/office/drawing/2014/main" id="{44E2167C-CE47-4A18-BB84-3C5FBC49A5FD}"/>
+              </a:ext>
+            </a:extLst>
+          </p:cNvPr>
+          <p:cNvSpPr/>
+          <p:nvPr/>
+        </p:nvSpPr>
+        <p:spPr>
+          <a:xfrm>
+            <a:off x="2843868" y="4328719"/>
+            <a:ext cx="1728132" cy="897622"/>
+          </a:xfrm>
+          <a:prstGeom prst="roundRect">
+            <a:avLst/>
+          </a:prstGeom>
+          <a:noFill/>
+          <a:ln>
+            <a:solidFill>
+              <a:srgbClr val="FF0000"/>
+            </a:solidFill>
+          </a:ln>
+        </p:spPr>
+        <p:style>
+          <a:lnRef idx="2">
+            <a:schemeClr val="accent1">
+              <a:shade val="50000"/>
+            </a:schemeClr>
+          </a:lnRef>
+          <a:fillRef idx="1">
+            <a:schemeClr val="accent1"/>
+          </a:fillRef>
+          <a:effectRef idx="0">
+            <a:schemeClr val="accent1"/>
+          </a:effectRef>
+          <a:fontRef idx="minor">
+            <a:schemeClr val="lt1"/>
+          </a:fontRef>
+        </p:style>
+        <p:txBody>
+          <a:bodyPr rtlCol="0" anchor="ctr"/>
+          <a:lstStyle/>
+          <a:p>
+            <a:pPr algn="ctr"/>
+            <a:endParaRPr lang="ko-KR" altLang="en-US"/>
+          </a:p>
+        </p:txBody>
+      </p:sp>
+      <p:sp>
+        <p:nvSpPr>
+          <p:cNvPr id="14" name="사각형: 둥근 모서리 13">
+            <a:extLst>
+              <a:ext uri="{FF2B5EF4-FFF2-40B4-BE49-F238E27FC236}">
+                <a16:creationId xmlns:a16="http://schemas.microsoft.com/office/drawing/2014/main" id="{CD148D24-4AFA-4444-B1BD-71C7F93349E3}"/>
+              </a:ext>
+            </a:extLst>
+          </p:cNvPr>
+          <p:cNvSpPr/>
+          <p:nvPr/>
+        </p:nvSpPr>
+        <p:spPr>
+          <a:xfrm>
+            <a:off x="2256639" y="3900881"/>
+            <a:ext cx="360726" cy="109057"/>
+          </a:xfrm>
+          <a:prstGeom prst="roundRect">
+            <a:avLst/>
+          </a:prstGeom>
+          <a:noFill/>
+          <a:ln>
+            <a:solidFill>
+              <a:srgbClr val="FF0000"/>
+            </a:solidFill>
+          </a:ln>
+        </p:spPr>
+        <p:style>
+          <a:lnRef idx="2">
+            <a:schemeClr val="accent1">
+              <a:shade val="50000"/>
+            </a:schemeClr>
+          </a:lnRef>
+          <a:fillRef idx="1">
+            <a:schemeClr val="accent1"/>
+          </a:fillRef>
+          <a:effectRef idx="0">
+            <a:schemeClr val="accent1"/>
+          </a:effectRef>
+          <a:fontRef idx="minor">
+            <a:schemeClr val="lt1"/>
+          </a:fontRef>
+        </p:style>
+        <p:txBody>
+          <a:bodyPr rtlCol="0" anchor="ctr"/>
+          <a:lstStyle/>
+          <a:p>
+            <a:pPr algn="ctr"/>
+            <a:endParaRPr lang="ko-KR" altLang="en-US"/>
+          </a:p>
+        </p:txBody>
+      </p:sp>
     </p:spTree>
     <p:extLst>
       <p:ext uri="{BB962C8B-B14F-4D97-AF65-F5344CB8AC3E}">
-        <p14:creationId xmlns:p14="http://schemas.microsoft.com/office/powerpoint/2010/main" val="3857118938"/>
+        <p14:creationId xmlns:p14="http://schemas.microsoft.com/office/powerpoint/2010/main" val="1492037157"/>
       </p:ext>
     </p:extLst>
   </p:cSld>
@@ -11357,10 +11717,10 @@
       </p:grpSpPr>
       <p:sp>
         <p:nvSpPr>
-          <p:cNvPr id="5" name="제목 4">
-            <a:extLst>
-              <a:ext uri="{FF2B5EF4-FFF2-40B4-BE49-F238E27FC236}">
-                <a16:creationId xmlns:a16="http://schemas.microsoft.com/office/drawing/2014/main" id="{1A9F2884-35C9-40A3-8EF1-023B50D705F3}"/>
+          <p:cNvPr id="2" name="제목 1">
+            <a:extLst>
+              <a:ext uri="{FF2B5EF4-FFF2-40B4-BE49-F238E27FC236}">
+                <a16:creationId xmlns:a16="http://schemas.microsoft.com/office/drawing/2014/main" id="{FB0373DA-A8BE-4146-851C-76F78F995D73}"/>
               </a:ext>
             </a:extLst>
           </p:cNvPr>
@@ -11378,7 +11738,11 @@
           <a:p>
             <a:r>
               <a:rPr lang="en-US" altLang="ko-KR" dirty="0"/>
-              <a:t>Node.js</a:t>
+              <a:t>Node.js and </a:t>
+            </a:r>
+            <a:r>
+              <a:rPr lang="en-US" altLang="ko-KR" dirty="0" err="1"/>
+              <a:t>npm</a:t>
             </a:r>
             <a:endParaRPr lang="ko-KR" altLang="en-US" dirty="0"/>
           </a:p>
@@ -11386,189 +11750,75 @@
       </p:sp>
       <p:sp>
         <p:nvSpPr>
-          <p:cNvPr id="6" name="내용 개체 틀 5">
-            <a:extLst>
-              <a:ext uri="{FF2B5EF4-FFF2-40B4-BE49-F238E27FC236}">
-                <a16:creationId xmlns:a16="http://schemas.microsoft.com/office/drawing/2014/main" id="{19D48B9F-943A-4D5F-890D-C2886C239780}"/>
-              </a:ext>
-            </a:extLst>
-          </p:cNvPr>
-          <p:cNvSpPr>
-            <a:spLocks noGrp="1"/>
-          </p:cNvSpPr>
-          <p:nvPr>
-            <p:ph idx="1"/>
-          </p:nvPr>
-        </p:nvSpPr>
-        <p:spPr>
-          <a:xfrm>
-            <a:off x="395536" y="1058566"/>
-            <a:ext cx="8500814" cy="5269953"/>
-          </a:xfrm>
-        </p:spPr>
-        <p:txBody>
-          <a:bodyPr/>
-          <a:lstStyle/>
-          <a:p>
-            <a:r>
-              <a:rPr lang="ko-KR" altLang="en-US" sz="2000" dirty="0"/>
-              <a:t>확장성 있는 네트워크 애플리케이션</a:t>
-            </a:r>
-            <a:r>
-              <a:rPr lang="en-US" altLang="ko-KR" sz="2000" dirty="0"/>
-              <a:t> </a:t>
-            </a:r>
-            <a:r>
-              <a:rPr lang="ko-KR" altLang="en-US" sz="2000" dirty="0"/>
-              <a:t>개발에 사용되는 소프트웨어 플랫폼</a:t>
-            </a:r>
-            <a:endParaRPr lang="en-US" altLang="ko-KR" sz="2000" dirty="0"/>
-          </a:p>
-          <a:p>
-            <a:pPr lvl="1"/>
-            <a:r>
-              <a:rPr lang="ko-KR" altLang="en-US" sz="1800" dirty="0"/>
-              <a:t>특히 손쉽게 </a:t>
-            </a:r>
-            <a:r>
-              <a:rPr lang="ko-KR" altLang="en-US" sz="1800" dirty="0" err="1"/>
-              <a:t>백엔드</a:t>
-            </a:r>
-            <a:r>
-              <a:rPr lang="ko-KR" altLang="en-US" sz="1800" dirty="0"/>
-              <a:t> 시스템 구현이 가능하여 널리 사용됨</a:t>
-            </a:r>
-            <a:endParaRPr lang="en-US" altLang="ko-KR" sz="1800" dirty="0"/>
-          </a:p>
-          <a:p>
-            <a:r>
-              <a:rPr lang="ko-KR" altLang="en-US" sz="2000" dirty="0"/>
-              <a:t>작성 언어로 </a:t>
-            </a:r>
-            <a:r>
-              <a:rPr lang="ko-KR" altLang="en-US" sz="2000" dirty="0">
-                <a:hlinkClick r:id="rId2" tooltip="자바스크립트"/>
+          <p:cNvPr id="3" name="텍스트 개체 틀 2">
+            <a:extLst>
+              <a:ext uri="{FF2B5EF4-FFF2-40B4-BE49-F238E27FC236}">
+                <a16:creationId xmlns:a16="http://schemas.microsoft.com/office/drawing/2014/main" id="{70B2E06B-645D-43A9-8402-A40D14584C76}"/>
+              </a:ext>
+            </a:extLst>
+          </p:cNvPr>
+          <p:cNvSpPr>
+            <a:spLocks noGrp="1"/>
+          </p:cNvSpPr>
+          <p:nvPr>
+            <p:ph type="body" idx="1"/>
+          </p:nvPr>
+        </p:nvSpPr>
+        <p:spPr/>
+        <p:txBody>
+          <a:bodyPr/>
+          <a:lstStyle/>
+          <a:p>
+            <a:r>
+              <a:rPr lang="en-US" altLang="ko-KR" dirty="0" err="1"/>
+              <a:t>Todo</a:t>
+            </a:r>
+            <a:r>
+              <a:rPr lang="en-US" altLang="ko-KR" dirty="0"/>
+              <a:t> 1: </a:t>
+            </a:r>
+            <a:r>
+              <a:rPr lang="ko-KR" altLang="en-US" dirty="0"/>
+              <a:t>클라우드 서버 구성</a:t>
+            </a:r>
+            <a:endParaRPr lang="en-US" altLang="ko-KR" dirty="0"/>
+          </a:p>
+          <a:p>
+            <a:r>
+              <a:rPr lang="en-US" altLang="ko-KR" dirty="0" err="1">
+                <a:solidFill>
+                  <a:srgbClr val="FF0000"/>
+                </a:solidFill>
               </a:rPr>
-              <a:t>자바스크립트</a:t>
-            </a:r>
-            <a:r>
-              <a:rPr lang="ko-KR" altLang="en-US" sz="2000" dirty="0"/>
-              <a:t>를 활용하며 </a:t>
-            </a:r>
-            <a:endParaRPr lang="en-US" altLang="ko-KR" sz="2000" dirty="0"/>
-          </a:p>
-          <a:p>
-            <a:pPr lvl="1"/>
-            <a:r>
-              <a:rPr lang="en-US" altLang="ko-KR" sz="1800" dirty="0"/>
-              <a:t>Non-blocking I/O</a:t>
-            </a:r>
-            <a:r>
-              <a:rPr lang="ko-KR" altLang="en-US" sz="1800" dirty="0"/>
-              <a:t>와 단일 스레드 이벤트 루프를 통한 높은 처리 성능 제공</a:t>
-            </a:r>
-            <a:endParaRPr lang="en-US" altLang="ko-KR" sz="1800" dirty="0"/>
-          </a:p>
-          <a:p>
-            <a:r>
-              <a:rPr lang="ko-KR" altLang="en-US" sz="2000" dirty="0"/>
-              <a:t>내장 </a:t>
-            </a:r>
-            <a:r>
-              <a:rPr lang="en-US" altLang="ko-KR" sz="2000" dirty="0"/>
-              <a:t>HTTP </a:t>
-            </a:r>
-            <a:r>
-              <a:rPr lang="ko-KR" altLang="en-US" sz="2000" dirty="0"/>
-              <a:t>서버 라이브러리를 포함하고 있어 웹 서버에서 아파치 등의 별도의 소프트웨어 없이 동작하는 것이 가능</a:t>
-            </a:r>
-            <a:endParaRPr lang="en-US" altLang="ko-KR" sz="2000" dirty="0"/>
-          </a:p>
-          <a:p>
-            <a:pPr lvl="1"/>
-            <a:r>
-              <a:rPr lang="ko-KR" altLang="en-US" sz="1800" dirty="0"/>
-              <a:t>이를 통해 웹 서버의 동작에 있어 더 많은 통제가 가능</a:t>
-            </a:r>
-            <a:endParaRPr lang="en-US" altLang="ko-KR" sz="1800" dirty="0"/>
-          </a:p>
-          <a:p>
-            <a:r>
-              <a:rPr lang="en-US" altLang="ko-KR" sz="2000" dirty="0"/>
-              <a:t>V8 (</a:t>
-            </a:r>
-            <a:r>
-              <a:rPr lang="ko-KR" altLang="en-US" sz="2000" dirty="0"/>
-              <a:t>자바스크립트 엔진</a:t>
-            </a:r>
-            <a:r>
-              <a:rPr lang="en-US" altLang="ko-KR" sz="2000" dirty="0"/>
-              <a:t>)</a:t>
-            </a:r>
-            <a:r>
-              <a:rPr lang="ko-KR" altLang="en-US" sz="2000" dirty="0"/>
-              <a:t>으로 빌드 된 이벤트 기반 자바스크립트 런타임</a:t>
-            </a:r>
-            <a:endParaRPr lang="en-US" altLang="ko-KR" sz="2000" dirty="0"/>
-          </a:p>
-          <a:p>
-            <a:r>
-              <a:rPr lang="ko-KR" altLang="en-US" sz="2000" dirty="0"/>
-              <a:t>위키에 간단한 예제들이 있으니 확인해 볼 것</a:t>
-            </a:r>
-            <a:endParaRPr lang="en-US" altLang="ko-KR" sz="2000" dirty="0"/>
-          </a:p>
-          <a:p>
-            <a:r>
-              <a:rPr lang="en-US" altLang="ko-KR" sz="2000" dirty="0"/>
-              <a:t>(</a:t>
-            </a:r>
-            <a:r>
-              <a:rPr lang="ko-KR" altLang="en-US" sz="2000" dirty="0"/>
-              <a:t>간단하게</a:t>
-            </a:r>
-            <a:r>
-              <a:rPr lang="en-US" altLang="ko-KR" sz="2000" dirty="0"/>
-              <a:t>, </a:t>
-            </a:r>
-            <a:r>
-              <a:rPr lang="ko-KR" altLang="en-US" sz="2000" dirty="0"/>
-              <a:t>웹서버 만들 때 쓰는 손쉬운 도구</a:t>
-            </a:r>
-            <a:r>
-              <a:rPr lang="en-US" altLang="ko-KR" sz="2000" dirty="0"/>
-              <a:t>)</a:t>
-            </a:r>
-          </a:p>
-          <a:p>
-            <a:pPr lvl="1"/>
-            <a:r>
-              <a:rPr lang="ko-KR" altLang="en-US" sz="1600" dirty="0" err="1"/>
+              <a:t>Todo</a:t>
+            </a:r>
+            <a:r>
+              <a:rPr lang="en-US" altLang="ko-KR" dirty="0">
+                <a:solidFill>
+                  <a:srgbClr val="FF0000"/>
+                </a:solidFill>
+              </a:rPr>
+              <a:t> 2: </a:t>
+            </a:r>
+            <a:r>
+              <a:rPr lang="ko-KR" altLang="en-US" dirty="0" err="1">
+                <a:solidFill>
+                  <a:srgbClr val="FF0000"/>
+                </a:solidFill>
+              </a:rPr>
               <a:t>챗봇</a:t>
             </a:r>
             <a:r>
-              <a:rPr lang="en-US" altLang="ko-KR" sz="1600" dirty="0"/>
-              <a:t>,</a:t>
-            </a:r>
-            <a:r>
-              <a:rPr lang="ko-KR" altLang="en-US" sz="1600" dirty="0"/>
-              <a:t> </a:t>
-            </a:r>
-            <a:r>
-              <a:rPr lang="ko-KR" altLang="en-US" sz="1600" dirty="0" err="1"/>
-              <a:t>슬랙</a:t>
-            </a:r>
-            <a:r>
-              <a:rPr lang="ko-KR" altLang="en-US" sz="1600" dirty="0"/>
-              <a:t> 연동 등의 예제도 많이 나옴</a:t>
-            </a:r>
-            <a:endParaRPr lang="en-US" altLang="ko-KR" sz="1600" dirty="0"/>
-          </a:p>
-          <a:p>
-            <a:pPr marL="457200" lvl="1" indent="0">
-              <a:buNone/>
-            </a:pPr>
-            <a:endParaRPr lang="ko-KR" altLang="en-US" sz="1600" dirty="0"/>
+              <a:rPr lang="ko-KR" altLang="en-US" dirty="0">
+                <a:solidFill>
+                  <a:srgbClr val="FF0000"/>
+                </a:solidFill>
+              </a:rPr>
+              <a:t> 서버 구축</a:t>
+            </a:r>
+          </a:p>
+          <a:p>
+            <a:endParaRPr lang="ko-KR" altLang="en-US" dirty="0"/>
           </a:p>
         </p:txBody>
       </p:sp>
@@ -11577,7 +11827,7 @@
           <p:cNvPr id="4" name="슬라이드 번호 개체 틀 3">
             <a:extLst>
               <a:ext uri="{FF2B5EF4-FFF2-40B4-BE49-F238E27FC236}">
-                <a16:creationId xmlns:a16="http://schemas.microsoft.com/office/drawing/2014/main" id="{DE1BA7EC-C3BF-4E3E-8DDE-81708A1C6CF3}"/>
+                <a16:creationId xmlns:a16="http://schemas.microsoft.com/office/drawing/2014/main" id="{3C70A1F4-DAF1-4600-ADF3-7BE17A81844F}"/>
               </a:ext>
             </a:extLst>
           </p:cNvPr>
@@ -11601,47 +11851,10 @@
           </a:p>
         </p:txBody>
       </p:sp>
-      <p:sp>
-        <p:nvSpPr>
-          <p:cNvPr id="7" name="직사각형 6">
-            <a:extLst>
-              <a:ext uri="{FF2B5EF4-FFF2-40B4-BE49-F238E27FC236}">
-                <a16:creationId xmlns:a16="http://schemas.microsoft.com/office/drawing/2014/main" id="{F13748AB-F7B2-4598-8F80-F712692F9337}"/>
-              </a:ext>
-            </a:extLst>
-          </p:cNvPr>
-          <p:cNvSpPr/>
-          <p:nvPr/>
-        </p:nvSpPr>
-        <p:spPr>
-          <a:xfrm>
-            <a:off x="5184372" y="500829"/>
-            <a:ext cx="3711978" cy="369332"/>
-          </a:xfrm>
-          <a:prstGeom prst="rect">
-            <a:avLst/>
-          </a:prstGeom>
-        </p:spPr>
-        <p:txBody>
-          <a:bodyPr wrap="none">
-            <a:spAutoFit/>
-          </a:bodyPr>
-          <a:lstStyle/>
-          <a:p>
-            <a:r>
-              <a:rPr lang="en-US" altLang="ko-KR" dirty="0">
-                <a:hlinkClick r:id="rId3"/>
-              </a:rPr>
-              <a:t>https://ko.wikipedia.org/wiki/Node.js</a:t>
-            </a:r>
-            <a:endParaRPr lang="ko-KR" altLang="en-US" dirty="0"/>
-          </a:p>
-        </p:txBody>
-      </p:sp>
     </p:spTree>
     <p:extLst>
       <p:ext uri="{BB962C8B-B14F-4D97-AF65-F5344CB8AC3E}">
-        <p14:creationId xmlns:p14="http://schemas.microsoft.com/office/powerpoint/2010/main" val="4112644820"/>
+        <p14:creationId xmlns:p14="http://schemas.microsoft.com/office/powerpoint/2010/main" val="3857118938"/>
       </p:ext>
     </p:extLst>
   </p:cSld>
@@ -11670,10 +11883,10 @@
       </p:grpSpPr>
       <p:sp>
         <p:nvSpPr>
-          <p:cNvPr id="2" name="제목 1">
-            <a:extLst>
-              <a:ext uri="{FF2B5EF4-FFF2-40B4-BE49-F238E27FC236}">
-                <a16:creationId xmlns:a16="http://schemas.microsoft.com/office/drawing/2014/main" id="{CE4EFE86-3EBE-4899-8566-462E282FA79B}"/>
+          <p:cNvPr id="5" name="제목 4">
+            <a:extLst>
+              <a:ext uri="{FF2B5EF4-FFF2-40B4-BE49-F238E27FC236}">
+                <a16:creationId xmlns:a16="http://schemas.microsoft.com/office/drawing/2014/main" id="{1A9F2884-35C9-40A3-8EF1-023B50D705F3}"/>
               </a:ext>
             </a:extLst>
           </p:cNvPr>
@@ -11690,77 +11903,271 @@
           <a:lstStyle/>
           <a:p>
             <a:r>
-              <a:rPr lang="ko-KR" altLang="en-US" dirty="0"/>
-              <a:t>예제</a:t>
-            </a:r>
-          </a:p>
-        </p:txBody>
-      </p:sp>
-      <p:pic>
-        <p:nvPicPr>
-          <p:cNvPr id="10" name="내용 개체 틀 9">
-            <a:extLst>
-              <a:ext uri="{FF2B5EF4-FFF2-40B4-BE49-F238E27FC236}">
-                <a16:creationId xmlns:a16="http://schemas.microsoft.com/office/drawing/2014/main" id="{B940DE21-E608-4DD3-BB2D-E178C8E7408D}"/>
-              </a:ext>
-            </a:extLst>
-          </p:cNvPr>
-          <p:cNvPicPr>
-            <a:picLocks noGrp="1" noChangeAspect="1"/>
-          </p:cNvPicPr>
+              <a:rPr lang="en-US" altLang="ko-KR" dirty="0"/>
+              <a:t>Node.js</a:t>
+            </a:r>
+            <a:endParaRPr lang="ko-KR" altLang="en-US" dirty="0"/>
+          </a:p>
+        </p:txBody>
+      </p:sp>
+      <p:sp>
+        <p:nvSpPr>
+          <p:cNvPr id="6" name="내용 개체 틀 5">
+            <a:extLst>
+              <a:ext uri="{FF2B5EF4-FFF2-40B4-BE49-F238E27FC236}">
+                <a16:creationId xmlns:a16="http://schemas.microsoft.com/office/drawing/2014/main" id="{19D48B9F-943A-4D5F-890D-C2886C239780}"/>
+              </a:ext>
+            </a:extLst>
+          </p:cNvPr>
+          <p:cNvSpPr>
+            <a:spLocks noGrp="1"/>
+          </p:cNvSpPr>
           <p:nvPr>
             <p:ph idx="1"/>
           </p:nvPr>
-        </p:nvPicPr>
-        <p:blipFill>
-          <a:blip r:embed="rId2"/>
-          <a:stretch>
-            <a:fillRect/>
-          </a:stretch>
-        </p:blipFill>
+        </p:nvSpPr>
         <p:spPr>
           <a:xfrm>
-            <a:off x="620697" y="1371600"/>
-            <a:ext cx="7902606" cy="3633788"/>
+            <a:off x="395536" y="1058566"/>
+            <a:ext cx="8500814" cy="5269953"/>
+          </a:xfrm>
+        </p:spPr>
+        <p:txBody>
+          <a:bodyPr/>
+          <a:lstStyle/>
+          <a:p>
+            <a:r>
+              <a:rPr lang="ko-KR" altLang="en-US" sz="2000" dirty="0"/>
+              <a:t>확장성 있는 네트워크 애플리케이션</a:t>
+            </a:r>
+            <a:r>
+              <a:rPr lang="en-US" altLang="ko-KR" sz="2000" dirty="0"/>
+              <a:t> </a:t>
+            </a:r>
+            <a:r>
+              <a:rPr lang="ko-KR" altLang="en-US" sz="2000" dirty="0"/>
+              <a:t>개발에 사용되는 소프트웨어 플랫폼</a:t>
+            </a:r>
+            <a:endParaRPr lang="en-US" altLang="ko-KR" sz="2000" dirty="0"/>
+          </a:p>
+          <a:p>
+            <a:pPr lvl="1"/>
+            <a:r>
+              <a:rPr lang="ko-KR" altLang="en-US" sz="1800" dirty="0"/>
+              <a:t>특히 손쉽게 </a:t>
+            </a:r>
+            <a:r>
+              <a:rPr lang="ko-KR" altLang="en-US" sz="1800" dirty="0" err="1"/>
+              <a:t>백엔드</a:t>
+            </a:r>
+            <a:r>
+              <a:rPr lang="ko-KR" altLang="en-US" sz="1800" dirty="0"/>
+              <a:t> 시스템 구현이 가능하여 널리 사용됨</a:t>
+            </a:r>
+            <a:endParaRPr lang="en-US" altLang="ko-KR" sz="1800" dirty="0"/>
+          </a:p>
+          <a:p>
+            <a:r>
+              <a:rPr lang="ko-KR" altLang="en-US" sz="2000" dirty="0"/>
+              <a:t>작성 언어로 </a:t>
+            </a:r>
+            <a:r>
+              <a:rPr lang="ko-KR" altLang="en-US" sz="2000" dirty="0">
+                <a:hlinkClick r:id="rId2" tooltip="자바스크립트"/>
+              </a:rPr>
+              <a:t>자바스크립트</a:t>
+            </a:r>
+            <a:r>
+              <a:rPr lang="ko-KR" altLang="en-US" sz="2000" dirty="0"/>
+              <a:t>를 활용하며 </a:t>
+            </a:r>
+            <a:endParaRPr lang="en-US" altLang="ko-KR" sz="2000" dirty="0"/>
+          </a:p>
+          <a:p>
+            <a:pPr lvl="1"/>
+            <a:r>
+              <a:rPr lang="en-US" altLang="ko-KR" sz="1800" dirty="0"/>
+              <a:t>Non-blocking I/O</a:t>
+            </a:r>
+            <a:r>
+              <a:rPr lang="ko-KR" altLang="en-US" sz="1800" dirty="0"/>
+              <a:t>와 단일 스레드 이벤트 루프를 통한 높은 처리 성능 제공</a:t>
+            </a:r>
+            <a:endParaRPr lang="en-US" altLang="ko-KR" sz="1800" dirty="0"/>
+          </a:p>
+          <a:p>
+            <a:r>
+              <a:rPr lang="ko-KR" altLang="en-US" sz="2000" dirty="0"/>
+              <a:t>내장 </a:t>
+            </a:r>
+            <a:r>
+              <a:rPr lang="en-US" altLang="ko-KR" sz="2000" dirty="0"/>
+              <a:t>HTTP </a:t>
+            </a:r>
+            <a:r>
+              <a:rPr lang="ko-KR" altLang="en-US" sz="2000" dirty="0"/>
+              <a:t>서버 라이브러리를 포함하고 있어 웹 서버에서 아파치 등의 별도의 소프트웨어 없이 동작하는 것이 가능</a:t>
+            </a:r>
+            <a:endParaRPr lang="en-US" altLang="ko-KR" sz="2000" dirty="0"/>
+          </a:p>
+          <a:p>
+            <a:pPr lvl="1"/>
+            <a:r>
+              <a:rPr lang="ko-KR" altLang="en-US" sz="1800" dirty="0"/>
+              <a:t>이를 통해 웹 서버의 동작에 있어 더 많은 통제가 가능</a:t>
+            </a:r>
+            <a:endParaRPr lang="en-US" altLang="ko-KR" sz="1800" dirty="0"/>
+          </a:p>
+          <a:p>
+            <a:r>
+              <a:rPr lang="en-US" altLang="ko-KR" sz="2000" dirty="0"/>
+              <a:t>V8 (</a:t>
+            </a:r>
+            <a:r>
+              <a:rPr lang="ko-KR" altLang="en-US" sz="2000" dirty="0"/>
+              <a:t>자바스크립트 엔진</a:t>
+            </a:r>
+            <a:r>
+              <a:rPr lang="en-US" altLang="ko-KR" sz="2000" dirty="0"/>
+              <a:t>)</a:t>
+            </a:r>
+            <a:r>
+              <a:rPr lang="ko-KR" altLang="en-US" sz="2000" dirty="0"/>
+              <a:t>으로 빌드 된 이벤트 기반 자바스크립트 런타임</a:t>
+            </a:r>
+            <a:endParaRPr lang="en-US" altLang="ko-KR" sz="2000" dirty="0"/>
+          </a:p>
+          <a:p>
+            <a:r>
+              <a:rPr lang="ko-KR" altLang="en-US" sz="2000" dirty="0"/>
+              <a:t>위키에 간단한 예제들이 있으니 확인해 볼 것</a:t>
+            </a:r>
+            <a:endParaRPr lang="en-US" altLang="ko-KR" sz="2000" dirty="0"/>
+          </a:p>
+          <a:p>
+            <a:r>
+              <a:rPr lang="en-US" altLang="ko-KR" sz="2000" dirty="0"/>
+              <a:t>(</a:t>
+            </a:r>
+            <a:r>
+              <a:rPr lang="ko-KR" altLang="en-US" sz="2000" dirty="0"/>
+              <a:t>간단하게</a:t>
+            </a:r>
+            <a:r>
+              <a:rPr lang="en-US" altLang="ko-KR" sz="2000" dirty="0"/>
+              <a:t>, </a:t>
+            </a:r>
+            <a:r>
+              <a:rPr lang="ko-KR" altLang="en-US" sz="2000" dirty="0"/>
+              <a:t>웹서버 만들 때 쓰는 손쉬운 도구</a:t>
+            </a:r>
+            <a:r>
+              <a:rPr lang="en-US" altLang="ko-KR" sz="2000" dirty="0"/>
+              <a:t>)</a:t>
+            </a:r>
+          </a:p>
+          <a:p>
+            <a:pPr lvl="1"/>
+            <a:r>
+              <a:rPr lang="ko-KR" altLang="en-US" sz="1600" dirty="0" err="1"/>
+              <a:t>챗봇</a:t>
+            </a:r>
+            <a:r>
+              <a:rPr lang="en-US" altLang="ko-KR" sz="1600" dirty="0"/>
+              <a:t>,</a:t>
+            </a:r>
+            <a:r>
+              <a:rPr lang="ko-KR" altLang="en-US" sz="1600" dirty="0"/>
+              <a:t> </a:t>
+            </a:r>
+            <a:r>
+              <a:rPr lang="ko-KR" altLang="en-US" sz="1600" dirty="0" err="1"/>
+              <a:t>슬랙</a:t>
+            </a:r>
+            <a:r>
+              <a:rPr lang="ko-KR" altLang="en-US" sz="1600" dirty="0"/>
+              <a:t> 연동 등의 예제도 많이 나옴</a:t>
+            </a:r>
+            <a:endParaRPr lang="en-US" altLang="ko-KR" sz="1600" dirty="0"/>
+          </a:p>
+          <a:p>
+            <a:pPr marL="457200" lvl="1" indent="0">
+              <a:buNone/>
+            </a:pPr>
+            <a:endParaRPr lang="ko-KR" altLang="en-US" sz="1600" dirty="0"/>
+          </a:p>
+        </p:txBody>
+      </p:sp>
+      <p:sp>
+        <p:nvSpPr>
+          <p:cNvPr id="4" name="슬라이드 번호 개체 틀 3">
+            <a:extLst>
+              <a:ext uri="{FF2B5EF4-FFF2-40B4-BE49-F238E27FC236}">
+                <a16:creationId xmlns:a16="http://schemas.microsoft.com/office/drawing/2014/main" id="{DE1BA7EC-C3BF-4E3E-8DDE-81708A1C6CF3}"/>
+              </a:ext>
+            </a:extLst>
+          </p:cNvPr>
+          <p:cNvSpPr>
+            <a:spLocks noGrp="1"/>
+          </p:cNvSpPr>
+          <p:nvPr>
+            <p:ph type="sldNum" sz="quarter" idx="12"/>
+          </p:nvPr>
+        </p:nvSpPr>
+        <p:spPr/>
+        <p:txBody>
+          <a:bodyPr/>
+          <a:lstStyle/>
+          <a:p>
+            <a:fld id="{64F0D409-D3F6-4EEC-8C77-1F5E89989FFB}" type="slidenum">
+              <a:rPr lang="ko-KR" altLang="en-US" smtClean="0"/>
+              <a:t>42</a:t>
+            </a:fld>
+            <a:endParaRPr lang="ko-KR" altLang="en-US"/>
+          </a:p>
+        </p:txBody>
+      </p:sp>
+      <p:sp>
+        <p:nvSpPr>
+          <p:cNvPr id="7" name="직사각형 6">
+            <a:extLst>
+              <a:ext uri="{FF2B5EF4-FFF2-40B4-BE49-F238E27FC236}">
+                <a16:creationId xmlns:a16="http://schemas.microsoft.com/office/drawing/2014/main" id="{F13748AB-F7B2-4598-8F80-F712692F9337}"/>
+              </a:ext>
+            </a:extLst>
+          </p:cNvPr>
+          <p:cNvSpPr/>
+          <p:nvPr/>
+        </p:nvSpPr>
+        <p:spPr>
+          <a:xfrm>
+            <a:off x="5184372" y="500829"/>
+            <a:ext cx="3711978" cy="369332"/>
           </a:xfrm>
           <a:prstGeom prst="rect">
             <a:avLst/>
           </a:prstGeom>
         </p:spPr>
-      </p:pic>
-      <p:sp>
-        <p:nvSpPr>
-          <p:cNvPr id="4" name="슬라이드 번호 개체 틀 3">
-            <a:extLst>
-              <a:ext uri="{FF2B5EF4-FFF2-40B4-BE49-F238E27FC236}">
-                <a16:creationId xmlns:a16="http://schemas.microsoft.com/office/drawing/2014/main" id="{49B62637-560D-44C5-9FB5-A01F7D448D25}"/>
-              </a:ext>
-            </a:extLst>
-          </p:cNvPr>
-          <p:cNvSpPr>
-            <a:spLocks noGrp="1"/>
-          </p:cNvSpPr>
-          <p:nvPr>
-            <p:ph type="sldNum" sz="quarter" idx="12"/>
-          </p:nvPr>
-        </p:nvSpPr>
-        <p:spPr/>
-        <p:txBody>
-          <a:bodyPr/>
-          <a:lstStyle/>
-          <a:p>
-            <a:fld id="{64F0D409-D3F6-4EEC-8C77-1F5E89989FFB}" type="slidenum">
-              <a:rPr lang="ko-KR" altLang="en-US" smtClean="0"/>
-              <a:t>42</a:t>
-            </a:fld>
-            <a:endParaRPr lang="ko-KR" altLang="en-US"/>
+        <p:txBody>
+          <a:bodyPr wrap="none">
+            <a:spAutoFit/>
+          </a:bodyPr>
+          <a:lstStyle/>
+          <a:p>
+            <a:r>
+              <a:rPr lang="en-US" altLang="ko-KR" dirty="0">
+                <a:hlinkClick r:id="rId3"/>
+              </a:rPr>
+              <a:t>https://ko.wikipedia.org/wiki/Node.js</a:t>
+            </a:r>
+            <a:endParaRPr lang="ko-KR" altLang="en-US" dirty="0"/>
           </a:p>
         </p:txBody>
       </p:sp>
     </p:spTree>
     <p:extLst>
       <p:ext uri="{BB962C8B-B14F-4D97-AF65-F5344CB8AC3E}">
-        <p14:creationId xmlns:p14="http://schemas.microsoft.com/office/powerpoint/2010/main" val="2849144841"/>
+        <p14:creationId xmlns:p14="http://schemas.microsoft.com/office/powerpoint/2010/main" val="4112644820"/>
       </p:ext>
     </p:extLst>
   </p:cSld>
@@ -11792,7 +12199,7 @@
           <p:cNvPr id="2" name="제목 1">
             <a:extLst>
               <a:ext uri="{FF2B5EF4-FFF2-40B4-BE49-F238E27FC236}">
-                <a16:creationId xmlns:a16="http://schemas.microsoft.com/office/drawing/2014/main" id="{25D4DB23-4387-4E9E-9F65-3046A1F9CA01}"/>
+                <a16:creationId xmlns:a16="http://schemas.microsoft.com/office/drawing/2014/main" id="{CE4EFE86-3EBE-4899-8566-462E282FA79B}"/>
               </a:ext>
             </a:extLst>
           </p:cNvPr>
@@ -11810,142 +12217,49 @@
           <a:p>
             <a:r>
               <a:rPr lang="ko-KR" altLang="en-US" dirty="0"/>
-              <a:t>관련 도구 설치</a:t>
-            </a:r>
-          </a:p>
-        </p:txBody>
-      </p:sp>
-      <p:sp>
-        <p:nvSpPr>
-          <p:cNvPr id="3" name="내용 개체 틀 2">
-            <a:extLst>
-              <a:ext uri="{FF2B5EF4-FFF2-40B4-BE49-F238E27FC236}">
-                <a16:creationId xmlns:a16="http://schemas.microsoft.com/office/drawing/2014/main" id="{B7993EDB-EBF3-4733-A222-65AB5E6ACC36}"/>
-              </a:ext>
-            </a:extLst>
-          </p:cNvPr>
-          <p:cNvSpPr>
-            <a:spLocks noGrp="1"/>
-          </p:cNvSpPr>
+              <a:t>예제</a:t>
+            </a:r>
+          </a:p>
+        </p:txBody>
+      </p:sp>
+      <p:pic>
+        <p:nvPicPr>
+          <p:cNvPr id="10" name="내용 개체 틀 9">
+            <a:extLst>
+              <a:ext uri="{FF2B5EF4-FFF2-40B4-BE49-F238E27FC236}">
+                <a16:creationId xmlns:a16="http://schemas.microsoft.com/office/drawing/2014/main" id="{B940DE21-E608-4DD3-BB2D-E178C8E7408D}"/>
+              </a:ext>
+            </a:extLst>
+          </p:cNvPr>
+          <p:cNvPicPr>
+            <a:picLocks noGrp="1" noChangeAspect="1"/>
+          </p:cNvPicPr>
           <p:nvPr>
             <p:ph idx="1"/>
           </p:nvPr>
-        </p:nvSpPr>
-        <p:spPr/>
-        <p:txBody>
-          <a:bodyPr/>
-          <a:lstStyle/>
-          <a:p>
-            <a:r>
-              <a:rPr lang="en-US" altLang="ko-KR" dirty="0" err="1"/>
-              <a:t>sudo</a:t>
-            </a:r>
-            <a:r>
-              <a:rPr lang="en-US" altLang="ko-KR" dirty="0"/>
-              <a:t> apt-get update</a:t>
-            </a:r>
-          </a:p>
-          <a:p>
-            <a:pPr lvl="1"/>
-            <a:r>
-              <a:rPr lang="en-US" altLang="ko-KR" dirty="0"/>
-              <a:t>Error</a:t>
-            </a:r>
-            <a:r>
-              <a:rPr lang="ko-KR" altLang="en-US" dirty="0"/>
-              <a:t> 발생 시</a:t>
-            </a:r>
-            <a:r>
-              <a:rPr lang="en-US" altLang="ko-KR" dirty="0"/>
-              <a:t>, </a:t>
-            </a:r>
-            <a:r>
-              <a:rPr lang="ko-KR" altLang="en-US" dirty="0"/>
-              <a:t>재부팅 후 다시 시도</a:t>
-            </a:r>
-            <a:endParaRPr lang="en-US" altLang="ko-KR" dirty="0"/>
-          </a:p>
-          <a:p>
-            <a:r>
-              <a:rPr lang="en-US" altLang="ko-KR" dirty="0" err="1"/>
-              <a:t>sudo</a:t>
-            </a:r>
-            <a:r>
-              <a:rPr lang="en-US" altLang="ko-KR" dirty="0"/>
-              <a:t> apt-get install </a:t>
-            </a:r>
-            <a:r>
-              <a:rPr lang="en-US" altLang="ko-KR" dirty="0" err="1"/>
-              <a:t>nodejs</a:t>
-            </a:r>
-            <a:r>
-              <a:rPr lang="en-US" altLang="ko-KR" dirty="0"/>
-              <a:t> </a:t>
-            </a:r>
-            <a:r>
-              <a:rPr lang="en-US" altLang="ko-KR" dirty="0" err="1"/>
-              <a:t>npm</a:t>
-            </a:r>
-            <a:r>
-              <a:rPr lang="en-US" altLang="ko-KR" dirty="0"/>
-              <a:t> </a:t>
-            </a:r>
-          </a:p>
-          <a:p>
-            <a:pPr lvl="1"/>
-            <a:r>
-              <a:rPr lang="en-US" altLang="ko-KR" dirty="0"/>
-              <a:t>5</a:t>
-            </a:r>
-            <a:r>
-              <a:rPr lang="ko-KR" altLang="en-US" dirty="0"/>
-              <a:t>분 이상 걸림</a:t>
-            </a:r>
-            <a:endParaRPr lang="en-US" altLang="ko-KR" dirty="0"/>
-          </a:p>
-          <a:p>
-            <a:r>
-              <a:rPr lang="en-US" altLang="ko-KR" dirty="0" err="1"/>
-              <a:t>sudo</a:t>
-            </a:r>
-            <a:r>
-              <a:rPr lang="ko-KR" altLang="en-US" dirty="0"/>
-              <a:t> </a:t>
-            </a:r>
-            <a:r>
-              <a:rPr lang="en-US" altLang="ko-KR" dirty="0" err="1"/>
-              <a:t>npm</a:t>
-            </a:r>
-            <a:r>
-              <a:rPr lang="ko-KR" altLang="en-US" dirty="0"/>
-              <a:t> </a:t>
-            </a:r>
-            <a:r>
-              <a:rPr lang="en-US" altLang="ko-KR" dirty="0"/>
-              <a:t>install @slack/</a:t>
-            </a:r>
-            <a:r>
-              <a:rPr lang="en-US" altLang="ko-KR" dirty="0" err="1"/>
-              <a:t>rtm-api</a:t>
-            </a:r>
-            <a:r>
-              <a:rPr lang="en-US" altLang="ko-KR" dirty="0"/>
-              <a:t> </a:t>
-            </a:r>
-            <a:r>
-              <a:rPr lang="en-US" altLang="ko-KR" dirty="0" err="1"/>
-              <a:t>dotenv</a:t>
-            </a:r>
-            <a:endParaRPr lang="ko-KR" altLang="en-US" dirty="0"/>
-          </a:p>
-        </p:txBody>
-      </p:sp>
+        </p:nvPicPr>
+        <p:blipFill>
+          <a:blip r:embed="rId2"/>
+          <a:stretch>
+            <a:fillRect/>
+          </a:stretch>
+        </p:blipFill>
+        <p:spPr>
+          <a:xfrm>
+            <a:off x="620697" y="1371600"/>
+            <a:ext cx="7902606" cy="3633788"/>
+          </a:xfrm>
+          <a:prstGeom prst="rect">
+            <a:avLst/>
+          </a:prstGeom>
+        </p:spPr>
+      </p:pic>
       <p:sp>
         <p:nvSpPr>
           <p:cNvPr id="4" name="슬라이드 번호 개체 틀 3">
             <a:extLst>
               <a:ext uri="{FF2B5EF4-FFF2-40B4-BE49-F238E27FC236}">
-                <a16:creationId xmlns:a16="http://schemas.microsoft.com/office/drawing/2014/main" id="{0CF02F9A-A2C4-4AC1-9719-83AD9E200AB8}"/>
+                <a16:creationId xmlns:a16="http://schemas.microsoft.com/office/drawing/2014/main" id="{49B62637-560D-44C5-9FB5-A01F7D448D25}"/>
               </a:ext>
             </a:extLst>
           </p:cNvPr>
@@ -11972,7 +12286,7 @@
     </p:spTree>
     <p:extLst>
       <p:ext uri="{BB962C8B-B14F-4D97-AF65-F5344CB8AC3E}">
-        <p14:creationId xmlns:p14="http://schemas.microsoft.com/office/powerpoint/2010/main" val="1014228784"/>
+        <p14:creationId xmlns:p14="http://schemas.microsoft.com/office/powerpoint/2010/main" val="2849144841"/>
       </p:ext>
     </p:extLst>
   </p:cSld>
@@ -12004,7 +12318,7 @@
           <p:cNvPr id="2" name="제목 1">
             <a:extLst>
               <a:ext uri="{FF2B5EF4-FFF2-40B4-BE49-F238E27FC236}">
-                <a16:creationId xmlns:a16="http://schemas.microsoft.com/office/drawing/2014/main" id="{53C8D988-C6FF-4D50-94C3-A01A7CBC1458}"/>
+                <a16:creationId xmlns:a16="http://schemas.microsoft.com/office/drawing/2014/main" id="{25D4DB23-4387-4E9E-9F65-3046A1F9CA01}"/>
               </a:ext>
             </a:extLst>
           </p:cNvPr>
@@ -12021,9 +12335,164 @@
           <a:lstStyle/>
           <a:p>
             <a:r>
-              <a:rPr lang="en-US" altLang="ko-KR" dirty="0"/>
-              <a:t>Chatbot v1</a:t>
-            </a:r>
+              <a:rPr lang="ko-KR" altLang="en-US" dirty="0"/>
+              <a:t>관련 도구 설치</a:t>
+            </a:r>
+          </a:p>
+        </p:txBody>
+      </p:sp>
+      <p:sp>
+        <p:nvSpPr>
+          <p:cNvPr id="3" name="내용 개체 틀 2">
+            <a:extLst>
+              <a:ext uri="{FF2B5EF4-FFF2-40B4-BE49-F238E27FC236}">
+                <a16:creationId xmlns:a16="http://schemas.microsoft.com/office/drawing/2014/main" id="{B7993EDB-EBF3-4733-A222-65AB5E6ACC36}"/>
+              </a:ext>
+            </a:extLst>
+          </p:cNvPr>
+          <p:cNvSpPr>
+            <a:spLocks noGrp="1"/>
+          </p:cNvSpPr>
+          <p:nvPr>
+            <p:ph idx="1"/>
+          </p:nvPr>
+        </p:nvSpPr>
+        <p:spPr/>
+        <p:txBody>
+          <a:bodyPr/>
+          <a:lstStyle/>
+          <a:p>
+            <a:r>
+              <a:rPr lang="en-US" altLang="ko-KR" dirty="0" err="1"/>
+              <a:t>sudo</a:t>
+            </a:r>
+            <a:r>
+              <a:rPr lang="en-US" altLang="ko-KR" dirty="0"/>
+              <a:t> apt-get update</a:t>
+            </a:r>
+          </a:p>
+          <a:p>
+            <a:pPr lvl="1"/>
+            <a:r>
+              <a:rPr lang="en-US" altLang="ko-KR" dirty="0"/>
+              <a:t>Error</a:t>
+            </a:r>
+            <a:r>
+              <a:rPr lang="ko-KR" altLang="en-US" dirty="0"/>
+              <a:t> 발생 시</a:t>
+            </a:r>
+            <a:r>
+              <a:rPr lang="en-US" altLang="ko-KR" dirty="0"/>
+              <a:t>, </a:t>
+            </a:r>
+            <a:r>
+              <a:rPr lang="ko-KR" altLang="en-US" dirty="0"/>
+              <a:t>재부팅 후 다시 시도</a:t>
+            </a:r>
+            <a:endParaRPr lang="en-US" altLang="ko-KR" dirty="0"/>
+          </a:p>
+          <a:p>
+            <a:r>
+              <a:rPr lang="en-US" altLang="ko-KR" dirty="0" err="1"/>
+              <a:t>sudo</a:t>
+            </a:r>
+            <a:r>
+              <a:rPr lang="en-US" altLang="ko-KR" dirty="0"/>
+              <a:t> apt-get install </a:t>
+            </a:r>
+            <a:r>
+              <a:rPr lang="en-US" altLang="ko-KR" dirty="0" err="1"/>
+              <a:t>nodejs</a:t>
+            </a:r>
+            <a:r>
+              <a:rPr lang="en-US" altLang="ko-KR" dirty="0"/>
+              <a:t> </a:t>
+            </a:r>
+            <a:r>
+              <a:rPr lang="en-US" altLang="ko-KR" dirty="0" err="1"/>
+              <a:t>npm</a:t>
+            </a:r>
+            <a:r>
+              <a:rPr lang="en-US" altLang="ko-KR" dirty="0"/>
+              <a:t> </a:t>
+            </a:r>
+          </a:p>
+          <a:p>
+            <a:pPr lvl="1"/>
+            <a:r>
+              <a:rPr lang="en-US" altLang="ko-KR" dirty="0"/>
+              <a:t>5</a:t>
+            </a:r>
+            <a:r>
+              <a:rPr lang="ko-KR" altLang="en-US" dirty="0"/>
+              <a:t>분 이상 걸림</a:t>
+            </a:r>
+            <a:endParaRPr lang="en-US" altLang="ko-KR" dirty="0"/>
+          </a:p>
+          <a:p>
+            <a:r>
+              <a:rPr lang="en-US" altLang="ko-KR" dirty="0" err="1"/>
+              <a:t>sudo</a:t>
+            </a:r>
+            <a:r>
+              <a:rPr lang="ko-KR" altLang="en-US" dirty="0"/>
+              <a:t> </a:t>
+            </a:r>
+            <a:r>
+              <a:rPr lang="en-US" altLang="ko-KR" dirty="0" err="1"/>
+              <a:t>npm</a:t>
+            </a:r>
+            <a:r>
+              <a:rPr lang="ko-KR" altLang="en-US" dirty="0"/>
+              <a:t> </a:t>
+            </a:r>
+            <a:r>
+              <a:rPr lang="en-US" altLang="ko-KR" dirty="0"/>
+              <a:t>install @slack/</a:t>
+            </a:r>
+            <a:r>
+              <a:rPr lang="en-US" altLang="ko-KR" dirty="0" err="1"/>
+              <a:t>rtm-api</a:t>
+            </a:r>
+            <a:r>
+              <a:rPr lang="en-US" altLang="ko-KR" dirty="0"/>
+              <a:t> </a:t>
+            </a:r>
+            <a:r>
+              <a:rPr lang="en-US" altLang="ko-KR" dirty="0" err="1"/>
+              <a:t>dotenv</a:t>
+            </a:r>
+            <a:endParaRPr lang="en-US" altLang="ko-KR" dirty="0"/>
+          </a:p>
+          <a:p>
+            <a:endParaRPr lang="en-US" altLang="ko-KR" sz="2000" dirty="0"/>
+          </a:p>
+          <a:p>
+            <a:pPr marL="0" indent="0">
+              <a:buNone/>
+            </a:pPr>
+            <a:r>
+              <a:rPr lang="en-US" altLang="ko-KR" sz="2000" dirty="0"/>
+              <a:t>#</a:t>
+            </a:r>
+            <a:r>
+              <a:rPr lang="en-US" altLang="ko-KR" sz="2000" dirty="0" err="1"/>
+              <a:t>nodejs</a:t>
+            </a:r>
+            <a:r>
+              <a:rPr lang="en-US" altLang="ko-KR" sz="2000" dirty="0"/>
+              <a:t> </a:t>
+            </a:r>
+            <a:r>
+              <a:rPr lang="ko-KR" altLang="en-US" sz="2000" dirty="0"/>
+              <a:t> 설치 오류 발생할 때</a:t>
+            </a:r>
+            <a:endParaRPr lang="en-US" altLang="ko-KR" sz="2000" dirty="0"/>
+          </a:p>
+          <a:p>
+            <a:endParaRPr lang="en-US" altLang="ko-KR" dirty="0"/>
+          </a:p>
+          <a:p>
             <a:endParaRPr lang="ko-KR" altLang="en-US" dirty="0"/>
           </a:p>
         </p:txBody>
@@ -12033,7 +12502,7 @@
           <p:cNvPr id="4" name="슬라이드 번호 개체 틀 3">
             <a:extLst>
               <a:ext uri="{FF2B5EF4-FFF2-40B4-BE49-F238E27FC236}">
-                <a16:creationId xmlns:a16="http://schemas.microsoft.com/office/drawing/2014/main" id="{1EBA46C8-ABE2-4A41-AF68-34D44213991C}"/>
+                <a16:creationId xmlns:a16="http://schemas.microsoft.com/office/drawing/2014/main" id="{0CF02F9A-A2C4-4AC1-9719-83AD9E200AB8}"/>
               </a:ext>
             </a:extLst>
           </p:cNvPr>
@@ -12052,6 +12521,175 @@
             <a:fld id="{64F0D409-D3F6-4EEC-8C77-1F5E89989FFB}" type="slidenum">
               <a:rPr lang="ko-KR" altLang="en-US" smtClean="0"/>
               <a:t>44</a:t>
+            </a:fld>
+            <a:endParaRPr lang="ko-KR" altLang="en-US"/>
+          </a:p>
+        </p:txBody>
+      </p:sp>
+      <p:pic>
+        <p:nvPicPr>
+          <p:cNvPr id="6" name="그림 5">
+            <a:extLst>
+              <a:ext uri="{FF2B5EF4-FFF2-40B4-BE49-F238E27FC236}">
+                <a16:creationId xmlns:a16="http://schemas.microsoft.com/office/drawing/2014/main" id="{372CA31C-5568-4D4F-BF59-0FE9E8B349C6}"/>
+              </a:ext>
+            </a:extLst>
+          </p:cNvPr>
+          <p:cNvPicPr>
+            <a:picLocks noChangeAspect="1"/>
+          </p:cNvPicPr>
+          <p:nvPr/>
+        </p:nvPicPr>
+        <p:blipFill>
+          <a:blip r:embed="rId2">
+            <a:extLst>
+              <a:ext uri="{28A0092B-C50C-407E-A947-70E740481C1C}">
+                <a14:useLocalDpi xmlns:a14="http://schemas.microsoft.com/office/drawing/2010/main" val="0"/>
+              </a:ext>
+            </a:extLst>
+          </a:blip>
+          <a:stretch>
+            <a:fillRect/>
+          </a:stretch>
+        </p:blipFill>
+        <p:spPr>
+          <a:xfrm>
+            <a:off x="580061" y="4585131"/>
+            <a:ext cx="6906589" cy="495369"/>
+          </a:xfrm>
+          <a:prstGeom prst="rect">
+            <a:avLst/>
+          </a:prstGeom>
+        </p:spPr>
+      </p:pic>
+      <p:sp>
+        <p:nvSpPr>
+          <p:cNvPr id="9" name="TextBox 8">
+            <a:extLst>
+              <a:ext uri="{FF2B5EF4-FFF2-40B4-BE49-F238E27FC236}">
+                <a16:creationId xmlns:a16="http://schemas.microsoft.com/office/drawing/2014/main" id="{270BF1D1-7536-48AA-BE2D-E4E58F2829F5}"/>
+              </a:ext>
+            </a:extLst>
+          </p:cNvPr>
+          <p:cNvSpPr txBox="1"/>
+          <p:nvPr/>
+        </p:nvSpPr>
+        <p:spPr>
+          <a:xfrm>
+            <a:off x="580061" y="5201006"/>
+            <a:ext cx="6629378" cy="369332"/>
+          </a:xfrm>
+          <a:prstGeom prst="rect">
+            <a:avLst/>
+          </a:prstGeom>
+          <a:noFill/>
+        </p:spPr>
+        <p:txBody>
+          <a:bodyPr wrap="square" rtlCol="0">
+            <a:spAutoFit/>
+          </a:bodyPr>
+          <a:lstStyle/>
+          <a:p>
+            <a:r>
+              <a:rPr lang="en-US" altLang="ko-KR" dirty="0">
+                <a:hlinkClick r:id="rId3"/>
+              </a:rPr>
+              <a:t>https://kgu0724.tistory.com/71?category=707714</a:t>
+            </a:r>
+            <a:r>
+              <a:rPr lang="en-US" altLang="ko-KR" dirty="0"/>
+              <a:t> </a:t>
+            </a:r>
+            <a:r>
+              <a:rPr lang="ko-KR" altLang="en-US" dirty="0"/>
+              <a:t>참고</a:t>
+            </a:r>
+          </a:p>
+        </p:txBody>
+      </p:sp>
+    </p:spTree>
+    <p:extLst>
+      <p:ext uri="{BB962C8B-B14F-4D97-AF65-F5344CB8AC3E}">
+        <p14:creationId xmlns:p14="http://schemas.microsoft.com/office/powerpoint/2010/main" val="1014228784"/>
+      </p:ext>
+    </p:extLst>
+  </p:cSld>
+  <p:clrMapOvr>
+    <a:masterClrMapping/>
+  </p:clrMapOvr>
+</p:sld>
+</file>
+
+<file path=ppt/slides/slide45.xml><?xml version="1.0" encoding="utf-8"?>
+<p:sld xmlns:a="http://schemas.openxmlformats.org/drawingml/2006/main" xmlns:r="http://schemas.openxmlformats.org/officeDocument/2006/relationships" xmlns:p="http://schemas.openxmlformats.org/presentationml/2006/main">
+  <p:cSld>
+    <p:spTree>
+      <p:nvGrpSpPr>
+        <p:cNvPr id="1" name=""/>
+        <p:cNvGrpSpPr/>
+        <p:nvPr/>
+      </p:nvGrpSpPr>
+      <p:grpSpPr>
+        <a:xfrm>
+          <a:off x="0" y="0"/>
+          <a:ext cx="0" cy="0"/>
+          <a:chOff x="0" y="0"/>
+          <a:chExt cx="0" cy="0"/>
+        </a:xfrm>
+      </p:grpSpPr>
+      <p:sp>
+        <p:nvSpPr>
+          <p:cNvPr id="2" name="제목 1">
+            <a:extLst>
+              <a:ext uri="{FF2B5EF4-FFF2-40B4-BE49-F238E27FC236}">
+                <a16:creationId xmlns:a16="http://schemas.microsoft.com/office/drawing/2014/main" id="{53C8D988-C6FF-4D50-94C3-A01A7CBC1458}"/>
+              </a:ext>
+            </a:extLst>
+          </p:cNvPr>
+          <p:cNvSpPr>
+            <a:spLocks noGrp="1"/>
+          </p:cNvSpPr>
+          <p:nvPr>
+            <p:ph type="title"/>
+          </p:nvPr>
+        </p:nvSpPr>
+        <p:spPr/>
+        <p:txBody>
+          <a:bodyPr/>
+          <a:lstStyle/>
+          <a:p>
+            <a:r>
+              <a:rPr lang="en-US" altLang="ko-KR" dirty="0"/>
+              <a:t>Chatbot v1</a:t>
+            </a:r>
+            <a:endParaRPr lang="ko-KR" altLang="en-US" dirty="0"/>
+          </a:p>
+        </p:txBody>
+      </p:sp>
+      <p:sp>
+        <p:nvSpPr>
+          <p:cNvPr id="4" name="슬라이드 번호 개체 틀 3">
+            <a:extLst>
+              <a:ext uri="{FF2B5EF4-FFF2-40B4-BE49-F238E27FC236}">
+                <a16:creationId xmlns:a16="http://schemas.microsoft.com/office/drawing/2014/main" id="{1EBA46C8-ABE2-4A41-AF68-34D44213991C}"/>
+              </a:ext>
+            </a:extLst>
+          </p:cNvPr>
+          <p:cNvSpPr>
+            <a:spLocks noGrp="1"/>
+          </p:cNvSpPr>
+          <p:nvPr>
+            <p:ph type="sldNum" sz="quarter" idx="12"/>
+          </p:nvPr>
+        </p:nvSpPr>
+        <p:spPr/>
+        <p:txBody>
+          <a:bodyPr/>
+          <a:lstStyle/>
+          <a:p>
+            <a:fld id="{64F0D409-D3F6-4EEC-8C77-1F5E89989FFB}" type="slidenum">
+              <a:rPr lang="ko-KR" altLang="en-US" smtClean="0"/>
+              <a:t>45</a:t>
             </a:fld>
             <a:endParaRPr lang="ko-KR" altLang="en-US"/>
           </a:p>
@@ -12102,7 +12740,7 @@
 </p:sld>
 </file>
 
-<file path=ppt/slides/slide45.xml><?xml version="1.0" encoding="utf-8"?>
+<file path=ppt/slides/slide46.xml><?xml version="1.0" encoding="utf-8"?>
 <p:sld xmlns:a="http://schemas.openxmlformats.org/drawingml/2006/main" xmlns:r="http://schemas.openxmlformats.org/officeDocument/2006/relationships" xmlns:p="http://schemas.openxmlformats.org/presentationml/2006/main">
   <p:cSld>
     <p:spTree>
@@ -12206,7 +12844,7 @@
           <a:p>
             <a:fld id="{64F0D409-D3F6-4EEC-8C77-1F5E89989FFB}" type="slidenum">
               <a:rPr lang="ko-KR" altLang="en-US" smtClean="0"/>
-              <a:t>45</a:t>
+              <a:t>46</a:t>
             </a:fld>
             <a:endParaRPr lang="ko-KR" altLang="en-US"/>
           </a:p>
@@ -12366,7 +13004,7 @@
 </p:sld>
 </file>
 
-<file path=ppt/slides/slide46.xml><?xml version="1.0" encoding="utf-8"?>
+<file path=ppt/slides/slide47.xml><?xml version="1.0" encoding="utf-8"?>
 <p:sld xmlns:a="http://schemas.openxmlformats.org/drawingml/2006/main" xmlns:r="http://schemas.openxmlformats.org/officeDocument/2006/relationships" xmlns:p="http://schemas.openxmlformats.org/presentationml/2006/main">
   <p:cSld>
     <p:spTree>
@@ -12434,7 +13072,7 @@
           <a:p>
             <a:fld id="{64F0D409-D3F6-4EEC-8C77-1F5E89989FFB}" type="slidenum">
               <a:rPr lang="ko-KR" altLang="en-US" smtClean="0"/>
-              <a:t>46</a:t>
+              <a:t>47</a:t>
             </a:fld>
             <a:endParaRPr lang="ko-KR" altLang="en-US"/>
           </a:p>
@@ -12485,7 +13123,7 @@
 </p:sld>
 </file>
 
-<file path=ppt/slides/slide47.xml><?xml version="1.0" encoding="utf-8"?>
+<file path=ppt/slides/slide48.xml><?xml version="1.0" encoding="utf-8"?>
 <p:sld xmlns:a="http://schemas.openxmlformats.org/drawingml/2006/main" xmlns:r="http://schemas.openxmlformats.org/officeDocument/2006/relationships" xmlns:p="http://schemas.openxmlformats.org/presentationml/2006/main">
   <p:cSld>
     <p:spTree>
@@ -12554,7 +13192,7 @@
           <a:p>
             <a:fld id="{64F0D409-D3F6-4EEC-8C77-1F5E89989FFB}" type="slidenum">
               <a:rPr lang="ko-KR" altLang="en-US" smtClean="0"/>
-              <a:t>47</a:t>
+              <a:t>48</a:t>
             </a:fld>
             <a:endParaRPr lang="ko-KR" altLang="en-US"/>
           </a:p>
@@ -12647,7 +13285,7 @@
         <p:spPr>
           <a:xfrm>
             <a:off x="4319653" y="2584539"/>
-            <a:ext cx="4348098" cy="584775"/>
+            <a:ext cx="4348098" cy="830997"/>
           </a:xfrm>
           <a:prstGeom prst="rect">
             <a:avLst/>
@@ -12738,11 +13376,30 @@
               </a:rPr>
               <a:t>에 올리지 않음</a:t>
             </a:r>
-            <a:endParaRPr lang="en-US" altLang="ko-KR" sz="1600" dirty="0">
-              <a:solidFill>
-                <a:srgbClr val="FF0000"/>
-              </a:solidFill>
-            </a:endParaRPr>
+            <a:r>
+              <a:rPr lang="en-US" altLang="ko-KR" sz="1600" dirty="0">
+                <a:solidFill>
+                  <a:srgbClr val="FF0000"/>
+                </a:solidFill>
+              </a:rPr>
+              <a:t>(.env</a:t>
+            </a:r>
+            <a:r>
+              <a:rPr lang="ko-KR" altLang="en-US" sz="1600" dirty="0">
+                <a:solidFill>
+                  <a:srgbClr val="FF0000"/>
+                </a:solidFill>
+              </a:rPr>
+              <a:t> 라는 파일을 따로 생성하라는 뜻</a:t>
+            </a:r>
+            <a:r>
+              <a:rPr lang="en-US" altLang="ko-KR" sz="1600" dirty="0">
+                <a:solidFill>
+                  <a:srgbClr val="FF0000"/>
+                </a:solidFill>
+              </a:rPr>
+              <a:t>)</a:t>
+            </a:r>
           </a:p>
         </p:txBody>
       </p:sp>
@@ -12750,125 +13407,6 @@
     <p:extLst>
       <p:ext uri="{BB962C8B-B14F-4D97-AF65-F5344CB8AC3E}">
         <p14:creationId xmlns:p14="http://schemas.microsoft.com/office/powerpoint/2010/main" val="4214646887"/>
-      </p:ext>
-    </p:extLst>
-  </p:cSld>
-  <p:clrMapOvr>
-    <a:masterClrMapping/>
-  </p:clrMapOvr>
-</p:sld>
-</file>
-
-<file path=ppt/slides/slide48.xml><?xml version="1.0" encoding="utf-8"?>
-<p:sld xmlns:a="http://schemas.openxmlformats.org/drawingml/2006/main" xmlns:r="http://schemas.openxmlformats.org/officeDocument/2006/relationships" xmlns:p="http://schemas.openxmlformats.org/presentationml/2006/main">
-  <p:cSld>
-    <p:spTree>
-      <p:nvGrpSpPr>
-        <p:cNvPr id="1" name=""/>
-        <p:cNvGrpSpPr/>
-        <p:nvPr/>
-      </p:nvGrpSpPr>
-      <p:grpSpPr>
-        <a:xfrm>
-          <a:off x="0" y="0"/>
-          <a:ext cx="0" cy="0"/>
-          <a:chOff x="0" y="0"/>
-          <a:chExt cx="0" cy="0"/>
-        </a:xfrm>
-      </p:grpSpPr>
-      <p:sp>
-        <p:nvSpPr>
-          <p:cNvPr id="2" name="제목 1">
-            <a:extLst>
-              <a:ext uri="{FF2B5EF4-FFF2-40B4-BE49-F238E27FC236}">
-                <a16:creationId xmlns:a16="http://schemas.microsoft.com/office/drawing/2014/main" id="{813B18E4-DBCE-47F1-9374-AA71F580BCB1}"/>
-              </a:ext>
-            </a:extLst>
-          </p:cNvPr>
-          <p:cNvSpPr>
-            <a:spLocks noGrp="1"/>
-          </p:cNvSpPr>
-          <p:nvPr>
-            <p:ph type="title"/>
-          </p:nvPr>
-        </p:nvSpPr>
-        <p:spPr/>
-        <p:txBody>
-          <a:bodyPr/>
-          <a:lstStyle/>
-          <a:p>
-            <a:r>
-              <a:rPr lang="ko-KR" altLang="en-US" dirty="0"/>
-              <a:t>테스트</a:t>
-            </a:r>
-          </a:p>
-        </p:txBody>
-      </p:sp>
-      <p:pic>
-        <p:nvPicPr>
-          <p:cNvPr id="5" name="내용 개체 틀 4">
-            <a:extLst>
-              <a:ext uri="{FF2B5EF4-FFF2-40B4-BE49-F238E27FC236}">
-                <a16:creationId xmlns:a16="http://schemas.microsoft.com/office/drawing/2014/main" id="{0130747E-508B-4D41-8A9F-57C0761D36ED}"/>
-              </a:ext>
-            </a:extLst>
-          </p:cNvPr>
-          <p:cNvPicPr>
-            <a:picLocks noGrp="1" noChangeAspect="1"/>
-          </p:cNvPicPr>
-          <p:nvPr>
-            <p:ph idx="1"/>
-          </p:nvPr>
-        </p:nvPicPr>
-        <p:blipFill>
-          <a:blip r:embed="rId2"/>
-          <a:stretch>
-            <a:fillRect/>
-          </a:stretch>
-        </p:blipFill>
-        <p:spPr>
-          <a:xfrm>
-            <a:off x="938213" y="1278731"/>
-            <a:ext cx="7267575" cy="4829175"/>
-          </a:xfrm>
-          <a:prstGeom prst="rect">
-            <a:avLst/>
-          </a:prstGeom>
-        </p:spPr>
-      </p:pic>
-      <p:sp>
-        <p:nvSpPr>
-          <p:cNvPr id="4" name="슬라이드 번호 개체 틀 3">
-            <a:extLst>
-              <a:ext uri="{FF2B5EF4-FFF2-40B4-BE49-F238E27FC236}">
-                <a16:creationId xmlns:a16="http://schemas.microsoft.com/office/drawing/2014/main" id="{67A674AE-0499-481B-B78C-9CE56046268F}"/>
-              </a:ext>
-            </a:extLst>
-          </p:cNvPr>
-          <p:cNvSpPr>
-            <a:spLocks noGrp="1"/>
-          </p:cNvSpPr>
-          <p:nvPr>
-            <p:ph type="sldNum" sz="quarter" idx="12"/>
-          </p:nvPr>
-        </p:nvSpPr>
-        <p:spPr/>
-        <p:txBody>
-          <a:bodyPr/>
-          <a:lstStyle/>
-          <a:p>
-            <a:fld id="{64F0D409-D3F6-4EEC-8C77-1F5E89989FFB}" type="slidenum">
-              <a:rPr lang="ko-KR" altLang="en-US" smtClean="0"/>
-              <a:t>48</a:t>
-            </a:fld>
-            <a:endParaRPr lang="ko-KR" altLang="en-US"/>
-          </a:p>
-        </p:txBody>
-      </p:sp>
-    </p:spTree>
-    <p:extLst>
-      <p:ext uri="{BB962C8B-B14F-4D97-AF65-F5344CB8AC3E}">
-        <p14:creationId xmlns:p14="http://schemas.microsoft.com/office/powerpoint/2010/main" val="1739537891"/>
       </p:ext>
     </p:extLst>
   </p:cSld>
@@ -12900,7 +13438,7 @@
           <p:cNvPr id="2" name="제목 1">
             <a:extLst>
               <a:ext uri="{FF2B5EF4-FFF2-40B4-BE49-F238E27FC236}">
-                <a16:creationId xmlns:a16="http://schemas.microsoft.com/office/drawing/2014/main" id="{5CE4865B-039C-4E78-9897-34C07945B5E5}"/>
+                <a16:creationId xmlns:a16="http://schemas.microsoft.com/office/drawing/2014/main" id="{813B18E4-DBCE-47F1-9374-AA71F580BCB1}"/>
               </a:ext>
             </a:extLst>
           </p:cNvPr>
@@ -12917,272 +13455,50 @@
           <a:lstStyle/>
           <a:p>
             <a:r>
-              <a:rPr lang="en-US" altLang="ko-KR" dirty="0"/>
-              <a:t>To Be an Open Source Project!</a:t>
-            </a:r>
-            <a:endParaRPr lang="ko-KR" altLang="en-US" dirty="0"/>
-          </a:p>
-        </p:txBody>
-      </p:sp>
-      <p:sp>
-        <p:nvSpPr>
-          <p:cNvPr id="3" name="내용 개체 틀 2">
-            <a:extLst>
-              <a:ext uri="{FF2B5EF4-FFF2-40B4-BE49-F238E27FC236}">
-                <a16:creationId xmlns:a16="http://schemas.microsoft.com/office/drawing/2014/main" id="{8BD8065B-A743-4865-9EB1-4279831A2317}"/>
-              </a:ext>
-            </a:extLst>
-          </p:cNvPr>
-          <p:cNvSpPr>
-            <a:spLocks noGrp="1"/>
-          </p:cNvSpPr>
+              <a:rPr lang="ko-KR" altLang="en-US" dirty="0"/>
+              <a:t>테스트</a:t>
+            </a:r>
+          </a:p>
+        </p:txBody>
+      </p:sp>
+      <p:pic>
+        <p:nvPicPr>
+          <p:cNvPr id="5" name="내용 개체 틀 4">
+            <a:extLst>
+              <a:ext uri="{FF2B5EF4-FFF2-40B4-BE49-F238E27FC236}">
+                <a16:creationId xmlns:a16="http://schemas.microsoft.com/office/drawing/2014/main" id="{0130747E-508B-4D41-8A9F-57C0761D36ED}"/>
+              </a:ext>
+            </a:extLst>
+          </p:cNvPr>
+          <p:cNvPicPr>
+            <a:picLocks noGrp="1" noChangeAspect="1"/>
+          </p:cNvPicPr>
           <p:nvPr>
             <p:ph idx="1"/>
           </p:nvPr>
-        </p:nvSpPr>
-        <p:spPr/>
-        <p:txBody>
-          <a:bodyPr/>
-          <a:lstStyle/>
-          <a:p>
-            <a:r>
-              <a:rPr lang="ko-KR" altLang="en-US" dirty="0" err="1"/>
-              <a:t>챗봇</a:t>
-            </a:r>
-            <a:r>
-              <a:rPr lang="ko-KR" altLang="en-US" dirty="0"/>
-              <a:t> 기본 틀</a:t>
-            </a:r>
-            <a:r>
-              <a:rPr lang="en-US" altLang="ko-KR" dirty="0"/>
-              <a:t> </a:t>
-            </a:r>
-            <a:r>
-              <a:rPr lang="ko-KR" altLang="en-US" dirty="0"/>
-              <a:t>완성</a:t>
-            </a:r>
-            <a:endParaRPr lang="en-US" altLang="ko-KR" dirty="0"/>
-          </a:p>
-          <a:p>
-            <a:r>
-              <a:rPr lang="ko-KR" altLang="en-US" dirty="0" err="1"/>
-              <a:t>챗봇에</a:t>
-            </a:r>
-            <a:r>
-              <a:rPr lang="ko-KR" altLang="en-US" dirty="0"/>
-              <a:t> 기능들을 </a:t>
-            </a:r>
-            <a:r>
-              <a:rPr lang="en-US" altLang="ko-KR" dirty="0"/>
-              <a:t>OSS</a:t>
-            </a:r>
-            <a:r>
-              <a:rPr lang="ko-KR" altLang="en-US" dirty="0"/>
-              <a:t>화 해서</a:t>
-            </a:r>
-            <a:r>
-              <a:rPr lang="en-US" altLang="ko-KR" dirty="0"/>
-              <a:t>, </a:t>
-            </a:r>
-            <a:r>
-              <a:rPr lang="ko-KR" altLang="en-US" dirty="0"/>
-              <a:t>팀원을 모집하려고 함</a:t>
-            </a:r>
-            <a:endParaRPr lang="en-US" altLang="ko-KR" dirty="0"/>
-          </a:p>
-          <a:p>
-            <a:pPr lvl="1"/>
-            <a:r>
-              <a:rPr lang="ko-KR" altLang="en-US" dirty="0"/>
-              <a:t>영화 기능</a:t>
-            </a:r>
-            <a:endParaRPr lang="en-US" altLang="ko-KR" dirty="0"/>
-          </a:p>
-          <a:p>
-            <a:pPr lvl="2"/>
-            <a:r>
-              <a:rPr lang="ko-KR" altLang="en-US" dirty="0"/>
-              <a:t>취향을 분석해서 상영 중인 영화를 추천하는 기능</a:t>
-            </a:r>
-            <a:endParaRPr lang="en-US" altLang="ko-KR" dirty="0"/>
-          </a:p>
-          <a:p>
-            <a:pPr lvl="1"/>
-            <a:r>
-              <a:rPr lang="ko-KR" altLang="en-US" dirty="0"/>
-              <a:t>밥 기능</a:t>
-            </a:r>
-            <a:endParaRPr lang="en-US" altLang="ko-KR" dirty="0"/>
-          </a:p>
-          <a:p>
-            <a:pPr lvl="2"/>
-            <a:r>
-              <a:rPr lang="ko-KR" altLang="en-US" dirty="0"/>
-              <a:t>위치를 파악해서 주변 맛집을 추천하는 기능</a:t>
-            </a:r>
-            <a:endParaRPr lang="en-US" altLang="ko-KR" dirty="0"/>
-          </a:p>
-          <a:p>
-            <a:pPr lvl="1"/>
-            <a:r>
-              <a:rPr lang="ko-KR" altLang="en-US" dirty="0"/>
-              <a:t>위 기능들을 파일 별로 </a:t>
-            </a:r>
-            <a:r>
-              <a:rPr lang="ko-KR" altLang="en-US" dirty="0" err="1"/>
-              <a:t>모듈화한</a:t>
-            </a:r>
-            <a:r>
-              <a:rPr lang="ko-KR" altLang="en-US" dirty="0"/>
-              <a:t> </a:t>
-            </a:r>
-            <a:r>
-              <a:rPr lang="en-US" altLang="ko-KR" dirty="0"/>
-              <a:t>v3</a:t>
-            </a:r>
-            <a:r>
-              <a:rPr lang="ko-KR" altLang="en-US" dirty="0"/>
-              <a:t>을 작성</a:t>
-            </a:r>
-            <a:endParaRPr lang="en-US" altLang="ko-KR" dirty="0"/>
-          </a:p>
-          <a:p>
-            <a:r>
-              <a:rPr lang="en-US" altLang="ko-KR" dirty="0"/>
-              <a:t>GitHub </a:t>
-            </a:r>
-            <a:r>
-              <a:rPr lang="ko-KR" altLang="en-US" dirty="0"/>
-              <a:t>에 올리고</a:t>
-            </a:r>
-            <a:r>
-              <a:rPr lang="en-US" altLang="ko-KR" dirty="0"/>
-              <a:t>, </a:t>
-            </a:r>
-            <a:r>
-              <a:rPr lang="ko-KR" altLang="en-US" dirty="0"/>
-              <a:t>이슈들을 만들어 관리하자</a:t>
-            </a:r>
-            <a:endParaRPr lang="en-US" altLang="ko-KR" dirty="0"/>
-          </a:p>
-          <a:p>
-            <a:pPr lvl="1"/>
-            <a:r>
-              <a:rPr lang="ko-KR" altLang="en-US" dirty="0"/>
-              <a:t>이슈</a:t>
-            </a:r>
-            <a:r>
-              <a:rPr lang="en-US" altLang="ko-KR" dirty="0"/>
-              <a:t> 1. </a:t>
-            </a:r>
-            <a:r>
-              <a:rPr lang="ko-KR" altLang="en-US" dirty="0"/>
-              <a:t>영화 기능</a:t>
-            </a:r>
-            <a:r>
-              <a:rPr lang="en-US" altLang="ko-KR" dirty="0"/>
-              <a:t>	-&gt; </a:t>
-            </a:r>
-            <a:r>
-              <a:rPr lang="ko-KR" altLang="en-US" dirty="0"/>
-              <a:t>팀원</a:t>
-            </a:r>
-            <a:r>
-              <a:rPr lang="en-US" altLang="ko-KR" dirty="0"/>
-              <a:t>1</a:t>
-            </a:r>
-          </a:p>
-          <a:p>
-            <a:pPr lvl="1"/>
-            <a:r>
-              <a:rPr lang="ko-KR" altLang="en-US" dirty="0"/>
-              <a:t>이슈 </a:t>
-            </a:r>
-            <a:r>
-              <a:rPr lang="en-US" altLang="ko-KR" dirty="0"/>
-              <a:t>2. </a:t>
-            </a:r>
-            <a:r>
-              <a:rPr lang="ko-KR" altLang="en-US" dirty="0"/>
-              <a:t>밥 기능</a:t>
-            </a:r>
-            <a:r>
-              <a:rPr lang="en-US" altLang="ko-KR" dirty="0"/>
-              <a:t>	-&gt; </a:t>
-            </a:r>
-            <a:r>
-              <a:rPr lang="ko-KR" altLang="en-US" dirty="0"/>
-              <a:t>팀원</a:t>
-            </a:r>
-            <a:r>
-              <a:rPr lang="en-US" altLang="ko-KR" dirty="0"/>
-              <a:t>2</a:t>
-            </a:r>
-          </a:p>
-          <a:p>
-            <a:pPr lvl="1"/>
-            <a:r>
-              <a:rPr lang="en-US" altLang="ko-KR" dirty="0"/>
-              <a:t>(</a:t>
-            </a:r>
-            <a:r>
-              <a:rPr lang="ko-KR" altLang="en-US" dirty="0"/>
-              <a:t>나는 제</a:t>
-            </a:r>
-            <a:r>
-              <a:rPr lang="en-US" altLang="ko-KR" dirty="0"/>
-              <a:t>1</a:t>
-            </a:r>
-            <a:r>
-              <a:rPr lang="ko-KR" altLang="en-US" dirty="0"/>
-              <a:t>개발자로서 </a:t>
-            </a:r>
-            <a:r>
-              <a:rPr lang="en-US" altLang="ko-KR" dirty="0"/>
-              <a:t>index.js </a:t>
-            </a:r>
-            <a:r>
-              <a:rPr lang="ko-KR" altLang="en-US" dirty="0"/>
-              <a:t>에 대한 개발을 수행하고</a:t>
-            </a:r>
-            <a:r>
-              <a:rPr lang="en-US" altLang="ko-KR" dirty="0"/>
-              <a:t>, </a:t>
-            </a:r>
-            <a:r>
-              <a:rPr lang="ko-KR" altLang="en-US" dirty="0"/>
-              <a:t> </a:t>
-            </a:r>
-            <a:br>
-              <a:rPr lang="en-US" altLang="ko-KR" dirty="0"/>
-            </a:br>
-            <a:r>
-              <a:rPr lang="ko-KR" altLang="en-US" dirty="0"/>
-              <a:t>관리자로서 전체 프로젝트를 관리함</a:t>
-            </a:r>
-            <a:r>
-              <a:rPr lang="en-US" altLang="ko-KR" dirty="0"/>
-              <a:t>)</a:t>
-            </a:r>
-          </a:p>
-          <a:p>
-            <a:pPr lvl="1"/>
-            <a:endParaRPr lang="en-US" altLang="ko-KR" dirty="0"/>
-          </a:p>
-          <a:p>
-            <a:pPr marL="457200" lvl="1" indent="0">
-              <a:buNone/>
-            </a:pPr>
-            <a:endParaRPr lang="ko-KR" altLang="en-US" dirty="0"/>
-          </a:p>
-        </p:txBody>
-      </p:sp>
+        </p:nvPicPr>
+        <p:blipFill>
+          <a:blip r:embed="rId2"/>
+          <a:stretch>
+            <a:fillRect/>
+          </a:stretch>
+        </p:blipFill>
+        <p:spPr>
+          <a:xfrm>
+            <a:off x="938213" y="1278731"/>
+            <a:ext cx="7267575" cy="4829175"/>
+          </a:xfrm>
+          <a:prstGeom prst="rect">
+            <a:avLst/>
+          </a:prstGeom>
+        </p:spPr>
+      </p:pic>
       <p:sp>
         <p:nvSpPr>
           <p:cNvPr id="4" name="슬라이드 번호 개체 틀 3">
             <a:extLst>
               <a:ext uri="{FF2B5EF4-FFF2-40B4-BE49-F238E27FC236}">
-                <a16:creationId xmlns:a16="http://schemas.microsoft.com/office/drawing/2014/main" id="{49A46ABF-585E-4789-8D1E-E7CE0453B1C7}"/>
+                <a16:creationId xmlns:a16="http://schemas.microsoft.com/office/drawing/2014/main" id="{67A674AE-0499-481B-B78C-9CE56046268F}"/>
               </a:ext>
             </a:extLst>
           </p:cNvPr>
@@ -13202,14 +13518,14 @@
               <a:rPr lang="ko-KR" altLang="en-US" smtClean="0"/>
               <a:t>49</a:t>
             </a:fld>
-            <a:endParaRPr lang="ko-KR" altLang="en-US" dirty="0"/>
+            <a:endParaRPr lang="ko-KR" altLang="en-US"/>
           </a:p>
         </p:txBody>
       </p:sp>
     </p:spTree>
     <p:extLst>
       <p:ext uri="{BB962C8B-B14F-4D97-AF65-F5344CB8AC3E}">
-        <p14:creationId xmlns:p14="http://schemas.microsoft.com/office/powerpoint/2010/main" val="2865963206"/>
+        <p14:creationId xmlns:p14="http://schemas.microsoft.com/office/powerpoint/2010/main" val="1739537891"/>
       </p:ext>
     </p:extLst>
   </p:cSld>
@@ -13547,6 +13863,347 @@
           <a:chExt cx="0" cy="0"/>
         </a:xfrm>
       </p:grpSpPr>
+      <p:sp>
+        <p:nvSpPr>
+          <p:cNvPr id="2" name="제목 1">
+            <a:extLst>
+              <a:ext uri="{FF2B5EF4-FFF2-40B4-BE49-F238E27FC236}">
+                <a16:creationId xmlns:a16="http://schemas.microsoft.com/office/drawing/2014/main" id="{5CE4865B-039C-4E78-9897-34C07945B5E5}"/>
+              </a:ext>
+            </a:extLst>
+          </p:cNvPr>
+          <p:cNvSpPr>
+            <a:spLocks noGrp="1"/>
+          </p:cNvSpPr>
+          <p:nvPr>
+            <p:ph type="title"/>
+          </p:nvPr>
+        </p:nvSpPr>
+        <p:spPr/>
+        <p:txBody>
+          <a:bodyPr/>
+          <a:lstStyle/>
+          <a:p>
+            <a:r>
+              <a:rPr lang="en-US" altLang="ko-KR" dirty="0"/>
+              <a:t>To Be an Open Source Project!</a:t>
+            </a:r>
+            <a:endParaRPr lang="ko-KR" altLang="en-US" dirty="0"/>
+          </a:p>
+        </p:txBody>
+      </p:sp>
+      <p:sp>
+        <p:nvSpPr>
+          <p:cNvPr id="3" name="내용 개체 틀 2">
+            <a:extLst>
+              <a:ext uri="{FF2B5EF4-FFF2-40B4-BE49-F238E27FC236}">
+                <a16:creationId xmlns:a16="http://schemas.microsoft.com/office/drawing/2014/main" id="{8BD8065B-A743-4865-9EB1-4279831A2317}"/>
+              </a:ext>
+            </a:extLst>
+          </p:cNvPr>
+          <p:cNvSpPr>
+            <a:spLocks noGrp="1"/>
+          </p:cNvSpPr>
+          <p:nvPr>
+            <p:ph idx="1"/>
+          </p:nvPr>
+        </p:nvSpPr>
+        <p:spPr/>
+        <p:txBody>
+          <a:bodyPr/>
+          <a:lstStyle/>
+          <a:p>
+            <a:r>
+              <a:rPr lang="ko-KR" altLang="en-US" dirty="0" err="1"/>
+              <a:t>챗봇</a:t>
+            </a:r>
+            <a:r>
+              <a:rPr lang="ko-KR" altLang="en-US" dirty="0"/>
+              <a:t> 기본 틀</a:t>
+            </a:r>
+            <a:r>
+              <a:rPr lang="en-US" altLang="ko-KR" dirty="0"/>
+              <a:t> </a:t>
+            </a:r>
+            <a:r>
+              <a:rPr lang="ko-KR" altLang="en-US" dirty="0"/>
+              <a:t>완성</a:t>
+            </a:r>
+            <a:endParaRPr lang="en-US" altLang="ko-KR" dirty="0"/>
+          </a:p>
+          <a:p>
+            <a:r>
+              <a:rPr lang="ko-KR" altLang="en-US" dirty="0" err="1"/>
+              <a:t>챗봇에</a:t>
+            </a:r>
+            <a:r>
+              <a:rPr lang="ko-KR" altLang="en-US" dirty="0"/>
+              <a:t> 기능들을 </a:t>
+            </a:r>
+            <a:r>
+              <a:rPr lang="en-US" altLang="ko-KR" dirty="0"/>
+              <a:t>OSS</a:t>
+            </a:r>
+            <a:r>
+              <a:rPr lang="ko-KR" altLang="en-US" dirty="0"/>
+              <a:t>화 해서</a:t>
+            </a:r>
+            <a:r>
+              <a:rPr lang="en-US" altLang="ko-KR" dirty="0"/>
+              <a:t>, </a:t>
+            </a:r>
+            <a:r>
+              <a:rPr lang="ko-KR" altLang="en-US" dirty="0"/>
+              <a:t>팀원을 모집하려고 함</a:t>
+            </a:r>
+            <a:endParaRPr lang="en-US" altLang="ko-KR" dirty="0"/>
+          </a:p>
+          <a:p>
+            <a:pPr lvl="1"/>
+            <a:r>
+              <a:rPr lang="ko-KR" altLang="en-US" dirty="0"/>
+              <a:t>영화 기능</a:t>
+            </a:r>
+            <a:endParaRPr lang="en-US" altLang="ko-KR" dirty="0"/>
+          </a:p>
+          <a:p>
+            <a:pPr lvl="2"/>
+            <a:r>
+              <a:rPr lang="ko-KR" altLang="en-US" dirty="0"/>
+              <a:t>취향을 분석해서 상영 중인 영화를 추천하는 기능</a:t>
+            </a:r>
+            <a:endParaRPr lang="en-US" altLang="ko-KR" dirty="0"/>
+          </a:p>
+          <a:p>
+            <a:pPr lvl="1"/>
+            <a:r>
+              <a:rPr lang="ko-KR" altLang="en-US" dirty="0"/>
+              <a:t>밥 기능</a:t>
+            </a:r>
+            <a:endParaRPr lang="en-US" altLang="ko-KR" dirty="0"/>
+          </a:p>
+          <a:p>
+            <a:pPr lvl="2"/>
+            <a:r>
+              <a:rPr lang="ko-KR" altLang="en-US" dirty="0"/>
+              <a:t>위치를 파악해서 주변 맛집을 추천하는 기능</a:t>
+            </a:r>
+            <a:endParaRPr lang="en-US" altLang="ko-KR" dirty="0"/>
+          </a:p>
+          <a:p>
+            <a:pPr lvl="1"/>
+            <a:r>
+              <a:rPr lang="ko-KR" altLang="en-US" dirty="0"/>
+              <a:t>위 기능들을 파일 별로 </a:t>
+            </a:r>
+            <a:r>
+              <a:rPr lang="ko-KR" altLang="en-US" dirty="0" err="1"/>
+              <a:t>모듈화한</a:t>
+            </a:r>
+            <a:r>
+              <a:rPr lang="ko-KR" altLang="en-US" dirty="0"/>
+              <a:t> </a:t>
+            </a:r>
+            <a:r>
+              <a:rPr lang="en-US" altLang="ko-KR" dirty="0"/>
+              <a:t>v3</a:t>
+            </a:r>
+            <a:r>
+              <a:rPr lang="ko-KR" altLang="en-US" dirty="0"/>
+              <a:t>을 작성</a:t>
+            </a:r>
+            <a:endParaRPr lang="en-US" altLang="ko-KR" dirty="0"/>
+          </a:p>
+          <a:p>
+            <a:r>
+              <a:rPr lang="en-US" altLang="ko-KR" dirty="0"/>
+              <a:t>GitHub </a:t>
+            </a:r>
+            <a:r>
+              <a:rPr lang="ko-KR" altLang="en-US" dirty="0"/>
+              <a:t>에 올리고</a:t>
+            </a:r>
+            <a:r>
+              <a:rPr lang="en-US" altLang="ko-KR" dirty="0"/>
+              <a:t>, </a:t>
+            </a:r>
+            <a:r>
+              <a:rPr lang="ko-KR" altLang="en-US" dirty="0"/>
+              <a:t>이슈들을 만들어 관리하자</a:t>
+            </a:r>
+            <a:endParaRPr lang="en-US" altLang="ko-KR" dirty="0"/>
+          </a:p>
+          <a:p>
+            <a:pPr lvl="1"/>
+            <a:r>
+              <a:rPr lang="ko-KR" altLang="en-US" dirty="0"/>
+              <a:t>이슈</a:t>
+            </a:r>
+            <a:r>
+              <a:rPr lang="en-US" altLang="ko-KR" dirty="0"/>
+              <a:t> 1. </a:t>
+            </a:r>
+            <a:r>
+              <a:rPr lang="ko-KR" altLang="en-US" dirty="0"/>
+              <a:t>영화 기능</a:t>
+            </a:r>
+            <a:r>
+              <a:rPr lang="en-US" altLang="ko-KR" dirty="0"/>
+              <a:t>	-&gt; </a:t>
+            </a:r>
+            <a:r>
+              <a:rPr lang="ko-KR" altLang="en-US" dirty="0"/>
+              <a:t>팀원</a:t>
+            </a:r>
+            <a:r>
+              <a:rPr lang="en-US" altLang="ko-KR" dirty="0"/>
+              <a:t>1</a:t>
+            </a:r>
+          </a:p>
+          <a:p>
+            <a:pPr lvl="1"/>
+            <a:r>
+              <a:rPr lang="ko-KR" altLang="en-US" dirty="0"/>
+              <a:t>이슈 </a:t>
+            </a:r>
+            <a:r>
+              <a:rPr lang="en-US" altLang="ko-KR" dirty="0"/>
+              <a:t>2. </a:t>
+            </a:r>
+            <a:r>
+              <a:rPr lang="ko-KR" altLang="en-US" dirty="0"/>
+              <a:t>밥 기능</a:t>
+            </a:r>
+            <a:r>
+              <a:rPr lang="en-US" altLang="ko-KR" dirty="0"/>
+              <a:t>	-&gt; </a:t>
+            </a:r>
+            <a:r>
+              <a:rPr lang="ko-KR" altLang="en-US" dirty="0"/>
+              <a:t>팀원</a:t>
+            </a:r>
+            <a:r>
+              <a:rPr lang="en-US" altLang="ko-KR" dirty="0"/>
+              <a:t>2</a:t>
+            </a:r>
+          </a:p>
+          <a:p>
+            <a:pPr lvl="1"/>
+            <a:r>
+              <a:rPr lang="en-US" altLang="ko-KR" dirty="0"/>
+              <a:t>(</a:t>
+            </a:r>
+            <a:r>
+              <a:rPr lang="ko-KR" altLang="en-US" dirty="0"/>
+              <a:t>나는 제</a:t>
+            </a:r>
+            <a:r>
+              <a:rPr lang="en-US" altLang="ko-KR" dirty="0"/>
+              <a:t>1</a:t>
+            </a:r>
+            <a:r>
+              <a:rPr lang="ko-KR" altLang="en-US" dirty="0"/>
+              <a:t>개발자로서 </a:t>
+            </a:r>
+            <a:r>
+              <a:rPr lang="en-US" altLang="ko-KR" dirty="0"/>
+              <a:t>index.js </a:t>
+            </a:r>
+            <a:r>
+              <a:rPr lang="ko-KR" altLang="en-US" dirty="0"/>
+              <a:t>에 대한 개발을 수행하고</a:t>
+            </a:r>
+            <a:r>
+              <a:rPr lang="en-US" altLang="ko-KR" dirty="0"/>
+              <a:t>, </a:t>
+            </a:r>
+            <a:r>
+              <a:rPr lang="ko-KR" altLang="en-US" dirty="0"/>
+              <a:t> </a:t>
+            </a:r>
+            <a:br>
+              <a:rPr lang="en-US" altLang="ko-KR" dirty="0"/>
+            </a:br>
+            <a:r>
+              <a:rPr lang="ko-KR" altLang="en-US" dirty="0"/>
+              <a:t>관리자로서 전체 프로젝트를 관리함</a:t>
+            </a:r>
+            <a:r>
+              <a:rPr lang="en-US" altLang="ko-KR" dirty="0"/>
+              <a:t>)</a:t>
+            </a:r>
+          </a:p>
+          <a:p>
+            <a:pPr lvl="1"/>
+            <a:endParaRPr lang="en-US" altLang="ko-KR" dirty="0"/>
+          </a:p>
+          <a:p>
+            <a:pPr marL="457200" lvl="1" indent="0">
+              <a:buNone/>
+            </a:pPr>
+            <a:endParaRPr lang="ko-KR" altLang="en-US" dirty="0"/>
+          </a:p>
+        </p:txBody>
+      </p:sp>
+      <p:sp>
+        <p:nvSpPr>
+          <p:cNvPr id="4" name="슬라이드 번호 개체 틀 3">
+            <a:extLst>
+              <a:ext uri="{FF2B5EF4-FFF2-40B4-BE49-F238E27FC236}">
+                <a16:creationId xmlns:a16="http://schemas.microsoft.com/office/drawing/2014/main" id="{49A46ABF-585E-4789-8D1E-E7CE0453B1C7}"/>
+              </a:ext>
+            </a:extLst>
+          </p:cNvPr>
+          <p:cNvSpPr>
+            <a:spLocks noGrp="1"/>
+          </p:cNvSpPr>
+          <p:nvPr>
+            <p:ph type="sldNum" sz="quarter" idx="12"/>
+          </p:nvPr>
+        </p:nvSpPr>
+        <p:spPr/>
+        <p:txBody>
+          <a:bodyPr/>
+          <a:lstStyle/>
+          <a:p>
+            <a:fld id="{64F0D409-D3F6-4EEC-8C77-1F5E89989FFB}" type="slidenum">
+              <a:rPr lang="ko-KR" altLang="en-US" smtClean="0"/>
+              <a:t>50</a:t>
+            </a:fld>
+            <a:endParaRPr lang="ko-KR" altLang="en-US" dirty="0"/>
+          </a:p>
+        </p:txBody>
+      </p:sp>
+    </p:spTree>
+    <p:extLst>
+      <p:ext uri="{BB962C8B-B14F-4D97-AF65-F5344CB8AC3E}">
+        <p14:creationId xmlns:p14="http://schemas.microsoft.com/office/powerpoint/2010/main" val="2865963206"/>
+      </p:ext>
+    </p:extLst>
+  </p:cSld>
+  <p:clrMapOvr>
+    <a:masterClrMapping/>
+  </p:clrMapOvr>
+</p:sld>
+</file>
+
+<file path=ppt/slides/slide51.xml><?xml version="1.0" encoding="utf-8"?>
+<p:sld xmlns:a="http://schemas.openxmlformats.org/drawingml/2006/main" xmlns:r="http://schemas.openxmlformats.org/officeDocument/2006/relationships" xmlns:p="http://schemas.openxmlformats.org/presentationml/2006/main">
+  <p:cSld>
+    <p:spTree>
+      <p:nvGrpSpPr>
+        <p:cNvPr id="1" name=""/>
+        <p:cNvGrpSpPr/>
+        <p:nvPr/>
+      </p:nvGrpSpPr>
+      <p:grpSpPr>
+        <a:xfrm>
+          <a:off x="0" y="0"/>
+          <a:ext cx="0" cy="0"/>
+          <a:chOff x="0" y="0"/>
+          <a:chExt cx="0" cy="0"/>
+        </a:xfrm>
+      </p:grpSpPr>
       <p:pic>
         <p:nvPicPr>
           <p:cNvPr id="7" name="내용 개체 틀 6">
@@ -13636,7 +14293,7 @@
           <a:p>
             <a:fld id="{64F0D409-D3F6-4EEC-8C77-1F5E89989FFB}" type="slidenum">
               <a:rPr lang="ko-KR" altLang="en-US" smtClean="0"/>
-              <a:t>50</a:t>
+              <a:t>51</a:t>
             </a:fld>
             <a:endParaRPr lang="ko-KR" altLang="en-US"/>
           </a:p>
@@ -13943,7 +14600,7 @@
 </p:sld>
 </file>
 
-<file path=ppt/slides/slide51.xml><?xml version="1.0" encoding="utf-8"?>
+<file path=ppt/slides/slide52.xml><?xml version="1.0" encoding="utf-8"?>
 <p:sld xmlns:a="http://schemas.openxmlformats.org/drawingml/2006/main" xmlns:r="http://schemas.openxmlformats.org/officeDocument/2006/relationships" xmlns:p="http://schemas.openxmlformats.org/presentationml/2006/main">
   <p:cSld>
     <p:spTree>
@@ -14043,7 +14700,7 @@
           <a:p>
             <a:fld id="{64F0D409-D3F6-4EEC-8C77-1F5E89989FFB}" type="slidenum">
               <a:rPr lang="ko-KR" altLang="en-US" smtClean="0"/>
-              <a:t>51</a:t>
+              <a:t>52</a:t>
             </a:fld>
             <a:endParaRPr lang="ko-KR" altLang="en-US"/>
           </a:p>
